--- a/2026/lecture_01.pptx
+++ b/2026/lecture_01.pptx
@@ -67,6 +67,7 @@
     <p:sldId id="315" r:id="rId61"/>
     <p:sldId id="316" r:id="rId62"/>
     <p:sldId id="317" r:id="rId63"/>
+    <p:sldId id="318" r:id="rId64"/>
   </p:sldIdLst>
   <p:sldSz cx="9144000" cy="5143500" type="screen16x9"/>
   <p:notesSz cx="6858000" cy="9144000"/>
@@ -4748,7 +4749,7 @@
                       </a:pPr>
                       <a:r>
                         <a:rPr/>
-                        <a:t>20%</a:t>
+                        <a:t>25%</a:t>
                       </a:r>
                     </a:p>
                   </a:txBody>
@@ -4795,7 +4796,7 @@
                       </a:pPr>
                       <a:r>
                         <a:rPr/>
-                        <a:t>20%</a:t>
+                        <a:t>25%</a:t>
                       </a:r>
                     </a:p>
                   </a:txBody>
@@ -4889,7 +4890,7 @@
                       </a:pPr>
                       <a:r>
                         <a:rPr/>
-                        <a:t>50%</a:t>
+                        <a:t>40%</a:t>
                       </a:r>
                     </a:p>
                   </a:txBody>
@@ -5608,7 +5609,7 @@
             </a:pPr>
             <a:r>
               <a:rPr/>
-              <a:t>AI</a:t>
+              <a:t>DO THE PIN</a:t>
             </a:r>
           </a:p>
         </p:txBody>
@@ -5645,88 +5646,22 @@
             <p:ph type="title"/>
           </p:nvPr>
         </p:nvSpPr>
-        <p:spPr/>
-        <p:txBody>
-          <a:bodyPr/>
-          <a:lstStyle/>
-          <a:p>
-            <a:pPr lvl="0" indent="0" marL="0">
-              <a:buNone/>
-            </a:pPr>
-            <a:r>
-              <a:rPr/>
-              <a:t>AI Use Policy</a:t>
-            </a:r>
-          </a:p>
-        </p:txBody>
-      </p:sp>
-      <p:sp>
-        <p:nvSpPr>
-          <p:cNvPr id="3" name="Content Placeholder 2"/>
-          <p:cNvSpPr>
-            <a:spLocks noGrp="1"/>
-          </p:cNvSpPr>
-          <p:nvPr>
-            <p:ph idx="1"/>
-          </p:nvPr>
-        </p:nvSpPr>
-        <p:spPr/>
-        <p:txBody>
-          <a:bodyPr/>
-          <a:lstStyle/>
-          <a:p>
-            <a:pPr lvl="0" indent="0" marL="0">
-              <a:buNone/>
-            </a:pPr>
-          </a:p>
-          <a:p>
-            <a:pPr lvl="0" indent="0" marL="0">
-              <a:buNone/>
-            </a:pPr>
-            <a:r>
-              <a:rPr/>
-              <a:t>There is NO acceptable use of AI on this module.</a:t>
-            </a:r>
-          </a:p>
-          <a:p>
-            <a:pPr lvl="0" indent="0" marL="0">
-              <a:buNone/>
-            </a:pPr>
-            <a:r>
-              <a:rPr/>
-              <a:t>. . .</a:t>
-            </a:r>
-          </a:p>
-          <a:p>
-            <a:pPr lvl="0" indent="0" marL="0">
-              <a:buNone/>
-            </a:pPr>
-            <a:r>
-              <a:rPr/>
-              <a:t>Any suspected use of AI on any assessment will be treated as academic misconduct.</a:t>
-            </a:r>
-          </a:p>
-          <a:p>
-            <a:pPr lvl="0" indent="0" marL="0">
-              <a:buNone/>
-            </a:pPr>
-            <a:r>
-              <a:rPr/>
-              <a:t>. . .</a:t>
-            </a:r>
-          </a:p>
-          <a:p>
-            <a:pPr lvl="0" indent="0" marL="0">
-              <a:buNone/>
-            </a:pPr>
-          </a:p>
-          <a:p>
-            <a:pPr lvl="0" indent="0" marL="0">
-              <a:buNone/>
-            </a:pPr>
-            <a:r>
-              <a:rPr/>
-              <a:t>But what is the problem with getting a little help? Well…</a:t>
+        <p:spPr>
+          <a:xfrm>
+            <a:off x="722313" y="3305176"/>
+            <a:ext cx="7772400" cy="1021556"/>
+          </a:xfrm>
+        </p:spPr>
+        <p:txBody>
+          <a:bodyPr/>
+          <a:lstStyle/>
+          <a:p>
+            <a:pPr lvl="0" indent="0" marL="0">
+              <a:buNone/>
+            </a:pPr>
+            <a:r>
+              <a:rPr/>
+              <a:t>AI</a:t>
             </a:r>
           </a:p>
         </p:txBody>
@@ -5737,6 +5672,124 @@
 </file>
 
 <file path=ppt/slides/slide26.xml><?xml version="1.0" encoding="utf-8"?>
+<p:sld xmlns:a="http://schemas.openxmlformats.org/drawingml/2006/main" xmlns:r="http://schemas.openxmlformats.org/officeDocument/2006/relationships" xmlns:p="http://schemas.openxmlformats.org/presentationml/2006/main">
+  <p:cSld>
+    <p:spTree>
+      <p:nvGrpSpPr>
+        <p:cNvPr id="1" name=""/>
+        <p:cNvGrpSpPr/>
+        <p:nvPr/>
+      </p:nvGrpSpPr>
+      <p:grpSpPr>
+        <a:xfrm>
+          <a:off x="0" y="0"/>
+          <a:ext cx="0" cy="0"/>
+          <a:chOff x="0" y="0"/>
+          <a:chExt cx="0" cy="0"/>
+        </a:xfrm>
+      </p:grpSpPr>
+      <p:sp>
+        <p:nvSpPr>
+          <p:cNvPr id="2" name="Title 1"/>
+          <p:cNvSpPr>
+            <a:spLocks noGrp="1"/>
+          </p:cNvSpPr>
+          <p:nvPr>
+            <p:ph type="title"/>
+          </p:nvPr>
+        </p:nvSpPr>
+        <p:spPr/>
+        <p:txBody>
+          <a:bodyPr/>
+          <a:lstStyle/>
+          <a:p>
+            <a:pPr lvl="0" indent="0" marL="0">
+              <a:buNone/>
+            </a:pPr>
+            <a:r>
+              <a:rPr/>
+              <a:t>AI Use Policy</a:t>
+            </a:r>
+          </a:p>
+        </p:txBody>
+      </p:sp>
+      <p:sp>
+        <p:nvSpPr>
+          <p:cNvPr id="3" name="Content Placeholder 2"/>
+          <p:cNvSpPr>
+            <a:spLocks noGrp="1"/>
+          </p:cNvSpPr>
+          <p:nvPr>
+            <p:ph idx="1"/>
+          </p:nvPr>
+        </p:nvSpPr>
+        <p:spPr/>
+        <p:txBody>
+          <a:bodyPr/>
+          <a:lstStyle/>
+          <a:p>
+            <a:pPr lvl="0" indent="0" marL="0">
+              <a:buNone/>
+            </a:pPr>
+          </a:p>
+          <a:p>
+            <a:pPr lvl="0" indent="0" marL="0">
+              <a:buNone/>
+            </a:pPr>
+            <a:r>
+              <a:rPr/>
+              <a:t>There is NO acceptable use of AI on this module.</a:t>
+            </a:r>
+          </a:p>
+          <a:p>
+            <a:pPr lvl="0" indent="0" marL="0">
+              <a:buNone/>
+            </a:pPr>
+            <a:r>
+              <a:rPr/>
+              <a:t>. . .</a:t>
+            </a:r>
+          </a:p>
+          <a:p>
+            <a:pPr lvl="0" indent="0" marL="0">
+              <a:buNone/>
+            </a:pPr>
+            <a:r>
+              <a:rPr/>
+              <a:t>Any suspected use of AI on any assessment will be treated as academic misconduct.</a:t>
+            </a:r>
+          </a:p>
+          <a:p>
+            <a:pPr lvl="0" indent="0" marL="0">
+              <a:buNone/>
+            </a:pPr>
+            <a:r>
+              <a:rPr/>
+              <a:t>. . .</a:t>
+            </a:r>
+          </a:p>
+          <a:p>
+            <a:pPr lvl="0" indent="0" marL="0">
+              <a:buNone/>
+            </a:pPr>
+          </a:p>
+          <a:p>
+            <a:pPr lvl="0" indent="0" marL="0">
+              <a:buNone/>
+            </a:pPr>
+            <a:r>
+              <a:rPr/>
+              <a:t>But what is the problem with getting a little help? Well…</a:t>
+            </a:r>
+          </a:p>
+        </p:txBody>
+      </p:sp>
+    </p:spTree>
+  </p:cSld>
+</p:sld>
+</file>
+
+<file path=ppt/slides/slide27.xml><?xml version="1.0" encoding="utf-8"?>
 <p:sld xmlns:a="http://schemas.openxmlformats.org/drawingml/2006/main" xmlns:r="http://schemas.openxmlformats.org/officeDocument/2006/relationships" xmlns:p="http://schemas.openxmlformats.org/presentationml/2006/main">
   <p:cSld>
     <p:spTree>
@@ -6404,512 +6457,6 @@
 </p:sld>
 </file>
 
-<file path=ppt/slides/slide27.xml><?xml version="1.0" encoding="utf-8"?>
-<p:sld xmlns:a="http://schemas.openxmlformats.org/drawingml/2006/main" xmlns:r="http://schemas.openxmlformats.org/officeDocument/2006/relationships" xmlns:p="http://schemas.openxmlformats.org/presentationml/2006/main">
-  <p:cSld>
-    <p:spTree>
-      <p:nvGrpSpPr>
-        <p:cNvPr id="1" name=""/>
-        <p:cNvGrpSpPr/>
-        <p:nvPr/>
-      </p:nvGrpSpPr>
-      <p:grpSpPr>
-        <a:xfrm>
-          <a:off x="0" y="0"/>
-          <a:ext cx="0" cy="0"/>
-          <a:chOff x="0" y="0"/>
-          <a:chExt cx="0" cy="0"/>
-        </a:xfrm>
-      </p:grpSpPr>
-      <p:sp>
-        <p:nvSpPr>
-          <p:cNvPr id="2" name="Title 1"/>
-          <p:cNvSpPr>
-            <a:spLocks noGrp="1"/>
-          </p:cNvSpPr>
-          <p:nvPr>
-            <p:ph type="title"/>
-          </p:nvPr>
-        </p:nvSpPr>
-        <p:spPr/>
-        <p:txBody>
-          <a:bodyPr/>
-          <a:lstStyle/>
-          <a:p>
-            <a:pPr lvl="0" indent="0" marL="0">
-              <a:buNone/>
-            </a:pPr>
-            <a:r>
-              <a:rPr/>
-              <a:t>The Cost of AI: Destruction and Theft of Creative Industries</a:t>
-            </a:r>
-          </a:p>
-        </p:txBody>
-      </p:sp>
-      <p:sp>
-        <p:nvSpPr>
-          <p:cNvPr id="3" name="Content Placeholder 2"/>
-          <p:cNvSpPr>
-            <a:spLocks noGrp="1"/>
-          </p:cNvSpPr>
-          <p:nvPr>
-            <p:ph idx="1"/>
-          </p:nvPr>
-        </p:nvSpPr>
-        <p:spPr/>
-        <p:txBody>
-          <a:bodyPr/>
-          <a:lstStyle/>
-          <a:p>
-            <a:pPr lvl="0"/>
-            <a:r>
-              <a:rPr>
-                <a:hlinkClick r:id="rId2"/>
-              </a:rPr>
-              <a:t>SAG-AFTRA strikes over AI use and compensation</a:t>
-            </a:r>
-            <a:r>
-              <a:rPr/>
-              <a:t> in film, TV, and video games</a:t>
-            </a:r>
-          </a:p>
-          <a:p>
-            <a:pPr lvl="0"/>
-            <a:r>
-              <a:rPr>
-                <a:hlinkClick r:id="rId3"/>
-              </a:rPr>
-              <a:t>Lawsuits for copyright infringement</a:t>
-            </a:r>
-          </a:p>
-          <a:p>
-            <a:pPr lvl="0"/>
-            <a:r>
-              <a:rPr>
-                <a:hlinkClick r:id="rId4"/>
-              </a:rPr>
-              <a:t>Famous musicians join other voices criticising removal of copyright protections</a:t>
-            </a:r>
-          </a:p>
-          <a:p>
-            <a:pPr lvl="1"/>
-            <a:r>
-              <a:rPr/>
-              <a:t>“The government is also consulting on an overhaul of copyright laws that would result in artists having to opt out of letting AI companies train their models using their work, rather than an opt-in model.”</a:t>
-            </a:r>
-          </a:p>
-          <a:p>
-            <a:pPr lvl="0"/>
-            <a:r>
-              <a:rPr>
-                <a:hlinkClick r:id="rId5"/>
-              </a:rPr>
-              <a:t>Sale of scientific papers for AI training</a:t>
-            </a:r>
-            <a:r>
-              <a:rPr/>
-              <a:t> with no author compensation or consultation</a:t>
-            </a:r>
-          </a:p>
-          <a:p>
-            <a:pPr lvl="0"/>
-            <a:r>
-              <a:rPr>
-                <a:hlinkClick r:id="rId6"/>
-              </a:rPr>
-              <a:t>AI image generation steals and takes work from human artists</a:t>
-            </a:r>
-          </a:p>
-          <a:p>
-            <a:pPr lvl="1"/>
-            <a:r>
-              <a:rPr/>
-              <a:t>“These programs rely entirely on the pirated intellectual property of countless working artists, photographers, illustrators and other rights holders.”</a:t>
-            </a:r>
-          </a:p>
-        </p:txBody>
-      </p:sp>
-    </p:spTree>
-  </p:cSld>
-  <p:timing>
-    <p:tnLst>
-      <p:par>
-        <p:cTn id="1" dur="indefinite" restart="never" nodeType="tmRoot">
-          <p:childTnLst>
-            <p:seq concurrent="1" nextAc="seek">
-              <p:cTn id="2" dur="indefinite" nodeType="mainSeq">
-                <p:childTnLst>
-                  <p:par>
-                    <p:cTn id="3" fill="hold">
-                      <p:stCondLst>
-                        <p:cond delay="indefinite"/>
-                      </p:stCondLst>
-                      <p:childTnLst>
-                        <p:par>
-                          <p:cTn id="4" fill="hold">
-                            <p:stCondLst>
-                              <p:cond delay="0"/>
-                            </p:stCondLst>
-                            <p:childTnLst>
-                              <p:par>
-                                <p:cTn id="5" presetID="1" presetClass="entr" presetSubtype="0" fill="hold" grpId="0" nodeType="clickEffect">
-                                  <p:stCondLst>
-                                    <p:cond delay="0"/>
-                                  </p:stCondLst>
-                                  <p:childTnLst>
-                                    <p:set>
-                                      <p:cBhvr>
-                                        <p:cTn id="6" dur="1" fill="hold">
-                                          <p:stCondLst>
-                                            <p:cond delay="0"/>
-                                          </p:stCondLst>
-                                        </p:cTn>
-                                        <p:tgtEl>
-                                          <p:spTgt spid="3">
-                                            <p:txEl>
-                                              <p:pRg st="0" end="0"/>
-                                            </p:txEl>
-                                          </p:spTgt>
-                                        </p:tgtEl>
-                                        <p:attrNameLst>
-                                          <p:attrName>style.visibility</p:attrName>
-                                        </p:attrNameLst>
-                                      </p:cBhvr>
-                                      <p:to>
-                                        <p:strVal val="visible"/>
-                                      </p:to>
-                                    </p:set>
-                                  </p:childTnLst>
-                                </p:cTn>
-                              </p:par>
-                            </p:childTnLst>
-                          </p:cTn>
-                        </p:par>
-                      </p:childTnLst>
-                    </p:cTn>
-                  </p:par>
-                  <p:par>
-                    <p:cTn id="7" fill="hold">
-                      <p:stCondLst>
-                        <p:cond delay="indefinite"/>
-                      </p:stCondLst>
-                      <p:childTnLst>
-                        <p:par>
-                          <p:cTn id="8" fill="hold">
-                            <p:stCondLst>
-                              <p:cond delay="0"/>
-                            </p:stCondLst>
-                            <p:childTnLst>
-                              <p:par>
-                                <p:cTn id="9" presetID="1" presetClass="entr" presetSubtype="0" fill="hold" grpId="0" nodeType="clickEffect">
-                                  <p:stCondLst>
-                                    <p:cond delay="0"/>
-                                  </p:stCondLst>
-                                  <p:childTnLst>
-                                    <p:set>
-                                      <p:cBhvr>
-                                        <p:cTn id="10" dur="1" fill="hold">
-                                          <p:stCondLst>
-                                            <p:cond delay="0"/>
-                                          </p:stCondLst>
-                                        </p:cTn>
-                                        <p:tgtEl>
-                                          <p:spTgt spid="3">
-                                            <p:txEl>
-                                              <p:pRg st="1" end="1"/>
-                                            </p:txEl>
-                                          </p:spTgt>
-                                        </p:tgtEl>
-                                        <p:attrNameLst>
-                                          <p:attrName>style.visibility</p:attrName>
-                                        </p:attrNameLst>
-                                      </p:cBhvr>
-                                      <p:to>
-                                        <p:strVal val="visible"/>
-                                      </p:to>
-                                    </p:set>
-                                  </p:childTnLst>
-                                </p:cTn>
-                              </p:par>
-                            </p:childTnLst>
-                          </p:cTn>
-                        </p:par>
-                      </p:childTnLst>
-                    </p:cTn>
-                  </p:par>
-                  <p:par>
-                    <p:cTn id="11" fill="hold">
-                      <p:stCondLst>
-                        <p:cond delay="indefinite"/>
-                      </p:stCondLst>
-                      <p:childTnLst>
-                        <p:par>
-                          <p:cTn id="12" fill="hold">
-                            <p:stCondLst>
-                              <p:cond delay="0"/>
-                            </p:stCondLst>
-                            <p:childTnLst>
-                              <p:par>
-                                <p:cTn id="13" presetID="1" presetClass="entr" presetSubtype="0" fill="hold" grpId="0" nodeType="clickEffect">
-                                  <p:stCondLst>
-                                    <p:cond delay="0"/>
-                                  </p:stCondLst>
-                                  <p:childTnLst>
-                                    <p:set>
-                                      <p:cBhvr>
-                                        <p:cTn id="14" dur="1" fill="hold">
-                                          <p:stCondLst>
-                                            <p:cond delay="0"/>
-                                          </p:stCondLst>
-                                        </p:cTn>
-                                        <p:tgtEl>
-                                          <p:spTgt spid="3">
-                                            <p:txEl>
-                                              <p:pRg st="2" end="2"/>
-                                            </p:txEl>
-                                          </p:spTgt>
-                                        </p:tgtEl>
-                                        <p:attrNameLst>
-                                          <p:attrName>style.visibility</p:attrName>
-                                        </p:attrNameLst>
-                                      </p:cBhvr>
-                                      <p:to>
-                                        <p:strVal val="visible"/>
-                                      </p:to>
-                                    </p:set>
-                                  </p:childTnLst>
-                                </p:cTn>
-                              </p:par>
-                            </p:childTnLst>
-                          </p:cTn>
-                        </p:par>
-                      </p:childTnLst>
-                    </p:cTn>
-                  </p:par>
-                  <p:par>
-                    <p:cTn id="15" fill="hold">
-                      <p:stCondLst>
-                        <p:cond delay="indefinite"/>
-                      </p:stCondLst>
-                      <p:childTnLst>
-                        <p:par>
-                          <p:cTn id="16" fill="hold">
-                            <p:stCondLst>
-                              <p:cond delay="0"/>
-                            </p:stCondLst>
-                            <p:childTnLst>
-                              <p:par>
-                                <p:cTn id="17" presetID="1" presetClass="entr" presetSubtype="0" fill="hold" grpId="0" nodeType="clickEffect">
-                                  <p:stCondLst>
-                                    <p:cond delay="0"/>
-                                  </p:stCondLst>
-                                  <p:childTnLst>
-                                    <p:set>
-                                      <p:cBhvr>
-                                        <p:cTn id="18" dur="1" fill="hold">
-                                          <p:stCondLst>
-                                            <p:cond delay="0"/>
-                                          </p:stCondLst>
-                                        </p:cTn>
-                                        <p:tgtEl>
-                                          <p:spTgt spid="3">
-                                            <p:txEl>
-                                              <p:pRg st="3" end="3"/>
-                                            </p:txEl>
-                                          </p:spTgt>
-                                        </p:tgtEl>
-                                        <p:attrNameLst>
-                                          <p:attrName>style.visibility</p:attrName>
-                                        </p:attrNameLst>
-                                      </p:cBhvr>
-                                      <p:to>
-                                        <p:strVal val="visible"/>
-                                      </p:to>
-                                    </p:set>
-                                  </p:childTnLst>
-                                </p:cTn>
-                              </p:par>
-                            </p:childTnLst>
-                          </p:cTn>
-                        </p:par>
-                      </p:childTnLst>
-                    </p:cTn>
-                  </p:par>
-                  <p:par>
-                    <p:cTn id="19" fill="hold">
-                      <p:stCondLst>
-                        <p:cond delay="indefinite"/>
-                      </p:stCondLst>
-                      <p:childTnLst>
-                        <p:par>
-                          <p:cTn id="20" fill="hold">
-                            <p:stCondLst>
-                              <p:cond delay="0"/>
-                            </p:stCondLst>
-                            <p:childTnLst>
-                              <p:par>
-                                <p:cTn id="21" presetID="1" presetClass="entr" presetSubtype="0" fill="hold" grpId="0" nodeType="clickEffect">
-                                  <p:stCondLst>
-                                    <p:cond delay="0"/>
-                                  </p:stCondLst>
-                                  <p:childTnLst>
-                                    <p:set>
-                                      <p:cBhvr>
-                                        <p:cTn id="22" dur="1" fill="hold">
-                                          <p:stCondLst>
-                                            <p:cond delay="0"/>
-                                          </p:stCondLst>
-                                        </p:cTn>
-                                        <p:tgtEl>
-                                          <p:spTgt spid="3">
-                                            <p:txEl>
-                                              <p:pRg st="4" end="4"/>
-                                            </p:txEl>
-                                          </p:spTgt>
-                                        </p:tgtEl>
-                                        <p:attrNameLst>
-                                          <p:attrName>style.visibility</p:attrName>
-                                        </p:attrNameLst>
-                                      </p:cBhvr>
-                                      <p:to>
-                                        <p:strVal val="visible"/>
-                                      </p:to>
-                                    </p:set>
-                                  </p:childTnLst>
-                                </p:cTn>
-                              </p:par>
-                            </p:childTnLst>
-                          </p:cTn>
-                        </p:par>
-                      </p:childTnLst>
-                    </p:cTn>
-                  </p:par>
-                  <p:par>
-                    <p:cTn id="23" fill="hold">
-                      <p:stCondLst>
-                        <p:cond delay="indefinite"/>
-                      </p:stCondLst>
-                      <p:childTnLst>
-                        <p:par>
-                          <p:cTn id="24" fill="hold">
-                            <p:stCondLst>
-                              <p:cond delay="0"/>
-                            </p:stCondLst>
-                            <p:childTnLst>
-                              <p:par>
-                                <p:cTn id="25" presetID="1" presetClass="entr" presetSubtype="0" fill="hold" grpId="0" nodeType="clickEffect">
-                                  <p:stCondLst>
-                                    <p:cond delay="0"/>
-                                  </p:stCondLst>
-                                  <p:childTnLst>
-                                    <p:set>
-                                      <p:cBhvr>
-                                        <p:cTn id="26" dur="1" fill="hold">
-                                          <p:stCondLst>
-                                            <p:cond delay="0"/>
-                                          </p:stCondLst>
-                                        </p:cTn>
-                                        <p:tgtEl>
-                                          <p:spTgt spid="3">
-                                            <p:txEl>
-                                              <p:pRg st="5" end="5"/>
-                                            </p:txEl>
-                                          </p:spTgt>
-                                        </p:tgtEl>
-                                        <p:attrNameLst>
-                                          <p:attrName>style.visibility</p:attrName>
-                                        </p:attrNameLst>
-                                      </p:cBhvr>
-                                      <p:to>
-                                        <p:strVal val="visible"/>
-                                      </p:to>
-                                    </p:set>
-                                  </p:childTnLst>
-                                </p:cTn>
-                              </p:par>
-                            </p:childTnLst>
-                          </p:cTn>
-                        </p:par>
-                      </p:childTnLst>
-                    </p:cTn>
-                  </p:par>
-                  <p:par>
-                    <p:cTn id="27" fill="hold">
-                      <p:stCondLst>
-                        <p:cond delay="indefinite"/>
-                      </p:stCondLst>
-                      <p:childTnLst>
-                        <p:par>
-                          <p:cTn id="28" fill="hold">
-                            <p:stCondLst>
-                              <p:cond delay="0"/>
-                            </p:stCondLst>
-                            <p:childTnLst>
-                              <p:par>
-                                <p:cTn id="29" presetID="1" presetClass="entr" presetSubtype="0" fill="hold" grpId="0" nodeType="clickEffect">
-                                  <p:stCondLst>
-                                    <p:cond delay="0"/>
-                                  </p:stCondLst>
-                                  <p:childTnLst>
-                                    <p:set>
-                                      <p:cBhvr>
-                                        <p:cTn id="30" dur="1" fill="hold">
-                                          <p:stCondLst>
-                                            <p:cond delay="0"/>
-                                          </p:stCondLst>
-                                        </p:cTn>
-                                        <p:tgtEl>
-                                          <p:spTgt spid="3">
-                                            <p:txEl>
-                                              <p:pRg st="6" end="6"/>
-                                            </p:txEl>
-                                          </p:spTgt>
-                                        </p:tgtEl>
-                                        <p:attrNameLst>
-                                          <p:attrName>style.visibility</p:attrName>
-                                        </p:attrNameLst>
-                                      </p:cBhvr>
-                                      <p:to>
-                                        <p:strVal val="visible"/>
-                                      </p:to>
-                                    </p:set>
-                                  </p:childTnLst>
-                                </p:cTn>
-                              </p:par>
-                            </p:childTnLst>
-                          </p:cTn>
-                        </p:par>
-                      </p:childTnLst>
-                    </p:cTn>
-                  </p:par>
-                </p:childTnLst>
-              </p:cTn>
-              <p:prevCondLst>
-                <p:cond evt="onPrev" delay="0">
-                  <p:tgtEl>
-                    <p:sldTgt/>
-                  </p:tgtEl>
-                </p:cond>
-              </p:prevCondLst>
-              <p:nextCondLst>
-                <p:cond evt="onNext" delay="0">
-                  <p:tgtEl>
-                    <p:sldTgt/>
-                  </p:tgtEl>
-                </p:cond>
-              </p:nextCondLst>
-            </p:seq>
-          </p:childTnLst>
-        </p:cTn>
-      </p:par>
-    </p:tnLst>
-    <p:bldLst>
-      <p:bldP spid="3" grpId="0" uiExpand="1" build="p"/>
-    </p:bldLst>
-  </p:timing>
-</p:sld>
-</file>
-
 <file path=ppt/slides/slide28.xml><?xml version="1.0" encoding="utf-8"?>
 <p:sld xmlns:a="http://schemas.openxmlformats.org/drawingml/2006/main" xmlns:r="http://schemas.openxmlformats.org/officeDocument/2006/relationships" xmlns:p="http://schemas.openxmlformats.org/presentationml/2006/main">
   <p:cSld>
@@ -6947,7 +6494,7 @@
             </a:pPr>
             <a:r>
               <a:rPr/>
-              <a:t>The Cost of AI: Privacy, Reality, and Human Rights</a:t>
+              <a:t>The Cost of AI: Destruction and Theft of Creative Industries</a:t>
             </a:r>
           </a:p>
         </p:txBody>
@@ -6972,14 +6519,11 @@
               <a:rPr>
                 <a:hlinkClick r:id="rId2"/>
               </a:rPr>
-              <a:t>Sensitive data read and decisions made by “black box” AI without consent</a:t>
-            </a:r>
-          </a:p>
-          <a:p>
-            <a:pPr lvl="1"/>
-            <a:r>
-              <a:rPr/>
-              <a:t>“The DWP’s data protection impact assessment also says consulting individuals about this way of processing their data is ‘not necessary as…these solutions will increase the efficiency of the processing’.”</a:t>
+              <a:t>SAG-AFTRA strikes over AI use and compensation</a:t>
+            </a:r>
+            <a:r>
+              <a:rPr/>
+              <a:t> in film, TV, and video games</a:t>
             </a:r>
           </a:p>
           <a:p>
@@ -6988,11 +6532,7 @@
               <a:rPr>
                 <a:hlinkClick r:id="rId3"/>
               </a:rPr>
-              <a:t>Propagation of human biases</a:t>
-            </a:r>
-            <a:r>
-              <a:rPr/>
-              <a:t> offloaded to supposedly “objective” computer systems</a:t>
+              <a:t>Lawsuits for copyright infringement</a:t>
             </a:r>
           </a:p>
           <a:p>
@@ -7001,7 +6541,14 @@
               <a:rPr>
                 <a:hlinkClick r:id="rId4"/>
               </a:rPr>
-              <a:t>Surveillance and AI</a:t>
+              <a:t>Famous musicians join other voices criticising removal of copyright protections</a:t>
+            </a:r>
+          </a:p>
+          <a:p>
+            <a:pPr lvl="1"/>
+            <a:r>
+              <a:rPr/>
+              <a:t>“The government is also consulting on an overhaul of copyright laws that would result in artists having to opt out of letting AI companies train their models using their work, rather than an opt-in model.”</a:t>
             </a:r>
           </a:p>
           <a:p>
@@ -7010,7 +6557,11 @@
               <a:rPr>
                 <a:hlinkClick r:id="rId5"/>
               </a:rPr>
-              <a:t>Use of AI to influence public opinions, elections and distort reality</a:t>
+              <a:t>Sale of scientific papers for AI training</a:t>
+            </a:r>
+            <a:r>
+              <a:rPr/>
+              <a:t> with no author compensation or consultation</a:t>
             </a:r>
           </a:p>
           <a:p>
@@ -7019,20 +6570,14 @@
               <a:rPr>
                 <a:hlinkClick r:id="rId6"/>
               </a:rPr>
-              <a:t>Internet flooded with AI “slop”</a:t>
+              <a:t>AI image generation steals and takes work from human artists</a:t>
             </a:r>
           </a:p>
           <a:p>
             <a:pPr lvl="1"/>
             <a:r>
               <a:rPr/>
-              <a:t>E.g. </a:t>
-            </a:r>
-            <a:r>
-              <a:rPr>
-                <a:hlinkClick r:id="rId7"/>
-              </a:rPr>
-              <a:t>AI-generated books on mushroom foraging that could be deadly</a:t>
+              <a:t>“These programs rely entirely on the pirated intellectual property of countless working artists, photographers, illustrators and other rights holders.”</a:t>
             </a:r>
           </a:p>
         </p:txBody>
@@ -7455,7 +7000,7 @@
             </a:pPr>
             <a:r>
               <a:rPr/>
-              <a:t>What is “AI”, Anyway?</a:t>
+              <a:t>The Cost of AI: Privacy, Reality, and Human Rights</a:t>
             </a:r>
           </a:p>
         </p:txBody>
@@ -7477,78 +7022,452 @@
           <a:p>
             <a:pPr lvl="0"/>
             <a:r>
-              <a:rPr/>
-              <a:t>A </a:t>
-            </a:r>
-            <a:r>
-              <a:rPr b="1"/>
-              <a:t>marketing term</a:t>
-            </a:r>
-            <a:r>
-              <a:rPr/>
-              <a:t> that covers a huge number of technologies, methodologies, and models, including:</a:t>
-            </a:r>
-          </a:p>
-          <a:p>
-            <a:pPr lvl="0"/>
-            <a:r>
-              <a:rPr/>
-              <a:t>Spellcheck software</a:t>
-            </a:r>
-          </a:p>
-          <a:p>
-            <a:pPr lvl="0"/>
-            <a:r>
-              <a:rPr/>
-              <a:t>Text autocomplete</a:t>
-            </a:r>
-          </a:p>
-          <a:p>
-            <a:pPr lvl="0"/>
-            <a:r>
-              <a:rPr/>
-              <a:t>Automatic caption generation</a:t>
-            </a:r>
-          </a:p>
-          <a:p>
-            <a:pPr lvl="0"/>
-            <a:r>
-              <a:rPr/>
-              <a:t>Machine learning</a:t>
-            </a:r>
-          </a:p>
-          <a:p>
-            <a:pPr lvl="0"/>
-            <a:r>
-              <a:rPr/>
-              <a:t>“The Algorithm”</a:t>
-            </a:r>
-          </a:p>
-          <a:p>
-            <a:pPr lvl="0"/>
-            <a:r>
-              <a:rPr/>
-              <a:t>Statistical models of various kinds</a:t>
-            </a:r>
-          </a:p>
-          <a:p>
-            <a:pPr lvl="0"/>
-            <a:r>
-              <a:rPr/>
-              <a:t>Image/video generation and detection</a:t>
-            </a:r>
-          </a:p>
-          <a:p>
-            <a:pPr lvl="0"/>
-            <a:r>
-              <a:rPr/>
-              <a:t>Generative AI/Large Language Models (LLMs)</a:t>
+              <a:rPr>
+                <a:hlinkClick r:id="rId2"/>
+              </a:rPr>
+              <a:t>Sensitive data read and decisions made by “black box” AI without consent</a:t>
+            </a:r>
+          </a:p>
+          <a:p>
+            <a:pPr lvl="1"/>
+            <a:r>
+              <a:rPr/>
+              <a:t>“The DWP’s data protection impact assessment also says consulting individuals about this way of processing their data is ‘not necessary as…these solutions will increase the efficiency of the processing’.”</a:t>
+            </a:r>
+          </a:p>
+          <a:p>
+            <a:pPr lvl="0"/>
+            <a:r>
+              <a:rPr>
+                <a:hlinkClick r:id="rId3"/>
+              </a:rPr>
+              <a:t>Propagation of human biases</a:t>
+            </a:r>
+            <a:r>
+              <a:rPr/>
+              <a:t> offloaded to supposedly “objective” computer systems</a:t>
+            </a:r>
+          </a:p>
+          <a:p>
+            <a:pPr lvl="0"/>
+            <a:r>
+              <a:rPr>
+                <a:hlinkClick r:id="rId4"/>
+              </a:rPr>
+              <a:t>Surveillance and AI</a:t>
+            </a:r>
+          </a:p>
+          <a:p>
+            <a:pPr lvl="0"/>
+            <a:r>
+              <a:rPr>
+                <a:hlinkClick r:id="rId5"/>
+              </a:rPr>
+              <a:t>Use of AI to influence public opinions, elections and distort reality</a:t>
+            </a:r>
+          </a:p>
+          <a:p>
+            <a:pPr lvl="0"/>
+            <a:r>
+              <a:rPr>
+                <a:hlinkClick r:id="rId6"/>
+              </a:rPr>
+              <a:t>Internet flooded with AI “slop”</a:t>
+            </a:r>
+          </a:p>
+          <a:p>
+            <a:pPr lvl="1"/>
+            <a:r>
+              <a:rPr/>
+              <a:t>E.g. </a:t>
+            </a:r>
+            <a:r>
+              <a:rPr>
+                <a:hlinkClick r:id="rId7"/>
+              </a:rPr>
+              <a:t>AI-generated books on mushroom foraging that could be deadly</a:t>
             </a:r>
           </a:p>
         </p:txBody>
       </p:sp>
     </p:spTree>
   </p:cSld>
+  <p:timing>
+    <p:tnLst>
+      <p:par>
+        <p:cTn id="1" dur="indefinite" restart="never" nodeType="tmRoot">
+          <p:childTnLst>
+            <p:seq concurrent="1" nextAc="seek">
+              <p:cTn id="2" dur="indefinite" nodeType="mainSeq">
+                <p:childTnLst>
+                  <p:par>
+                    <p:cTn id="3" fill="hold">
+                      <p:stCondLst>
+                        <p:cond delay="indefinite"/>
+                      </p:stCondLst>
+                      <p:childTnLst>
+                        <p:par>
+                          <p:cTn id="4" fill="hold">
+                            <p:stCondLst>
+                              <p:cond delay="0"/>
+                            </p:stCondLst>
+                            <p:childTnLst>
+                              <p:par>
+                                <p:cTn id="5" presetID="1" presetClass="entr" presetSubtype="0" fill="hold" grpId="0" nodeType="clickEffect">
+                                  <p:stCondLst>
+                                    <p:cond delay="0"/>
+                                  </p:stCondLst>
+                                  <p:childTnLst>
+                                    <p:set>
+                                      <p:cBhvr>
+                                        <p:cTn id="6" dur="1" fill="hold">
+                                          <p:stCondLst>
+                                            <p:cond delay="0"/>
+                                          </p:stCondLst>
+                                        </p:cTn>
+                                        <p:tgtEl>
+                                          <p:spTgt spid="3">
+                                            <p:txEl>
+                                              <p:pRg st="0" end="0"/>
+                                            </p:txEl>
+                                          </p:spTgt>
+                                        </p:tgtEl>
+                                        <p:attrNameLst>
+                                          <p:attrName>style.visibility</p:attrName>
+                                        </p:attrNameLst>
+                                      </p:cBhvr>
+                                      <p:to>
+                                        <p:strVal val="visible"/>
+                                      </p:to>
+                                    </p:set>
+                                  </p:childTnLst>
+                                </p:cTn>
+                              </p:par>
+                            </p:childTnLst>
+                          </p:cTn>
+                        </p:par>
+                      </p:childTnLst>
+                    </p:cTn>
+                  </p:par>
+                  <p:par>
+                    <p:cTn id="7" fill="hold">
+                      <p:stCondLst>
+                        <p:cond delay="indefinite"/>
+                      </p:stCondLst>
+                      <p:childTnLst>
+                        <p:par>
+                          <p:cTn id="8" fill="hold">
+                            <p:stCondLst>
+                              <p:cond delay="0"/>
+                            </p:stCondLst>
+                            <p:childTnLst>
+                              <p:par>
+                                <p:cTn id="9" presetID="1" presetClass="entr" presetSubtype="0" fill="hold" grpId="0" nodeType="clickEffect">
+                                  <p:stCondLst>
+                                    <p:cond delay="0"/>
+                                  </p:stCondLst>
+                                  <p:childTnLst>
+                                    <p:set>
+                                      <p:cBhvr>
+                                        <p:cTn id="10" dur="1" fill="hold">
+                                          <p:stCondLst>
+                                            <p:cond delay="0"/>
+                                          </p:stCondLst>
+                                        </p:cTn>
+                                        <p:tgtEl>
+                                          <p:spTgt spid="3">
+                                            <p:txEl>
+                                              <p:pRg st="1" end="1"/>
+                                            </p:txEl>
+                                          </p:spTgt>
+                                        </p:tgtEl>
+                                        <p:attrNameLst>
+                                          <p:attrName>style.visibility</p:attrName>
+                                        </p:attrNameLst>
+                                      </p:cBhvr>
+                                      <p:to>
+                                        <p:strVal val="visible"/>
+                                      </p:to>
+                                    </p:set>
+                                  </p:childTnLst>
+                                </p:cTn>
+                              </p:par>
+                            </p:childTnLst>
+                          </p:cTn>
+                        </p:par>
+                      </p:childTnLst>
+                    </p:cTn>
+                  </p:par>
+                  <p:par>
+                    <p:cTn id="11" fill="hold">
+                      <p:stCondLst>
+                        <p:cond delay="indefinite"/>
+                      </p:stCondLst>
+                      <p:childTnLst>
+                        <p:par>
+                          <p:cTn id="12" fill="hold">
+                            <p:stCondLst>
+                              <p:cond delay="0"/>
+                            </p:stCondLst>
+                            <p:childTnLst>
+                              <p:par>
+                                <p:cTn id="13" presetID="1" presetClass="entr" presetSubtype="0" fill="hold" grpId="0" nodeType="clickEffect">
+                                  <p:stCondLst>
+                                    <p:cond delay="0"/>
+                                  </p:stCondLst>
+                                  <p:childTnLst>
+                                    <p:set>
+                                      <p:cBhvr>
+                                        <p:cTn id="14" dur="1" fill="hold">
+                                          <p:stCondLst>
+                                            <p:cond delay="0"/>
+                                          </p:stCondLst>
+                                        </p:cTn>
+                                        <p:tgtEl>
+                                          <p:spTgt spid="3">
+                                            <p:txEl>
+                                              <p:pRg st="2" end="2"/>
+                                            </p:txEl>
+                                          </p:spTgt>
+                                        </p:tgtEl>
+                                        <p:attrNameLst>
+                                          <p:attrName>style.visibility</p:attrName>
+                                        </p:attrNameLst>
+                                      </p:cBhvr>
+                                      <p:to>
+                                        <p:strVal val="visible"/>
+                                      </p:to>
+                                    </p:set>
+                                  </p:childTnLst>
+                                </p:cTn>
+                              </p:par>
+                            </p:childTnLst>
+                          </p:cTn>
+                        </p:par>
+                      </p:childTnLst>
+                    </p:cTn>
+                  </p:par>
+                  <p:par>
+                    <p:cTn id="15" fill="hold">
+                      <p:stCondLst>
+                        <p:cond delay="indefinite"/>
+                      </p:stCondLst>
+                      <p:childTnLst>
+                        <p:par>
+                          <p:cTn id="16" fill="hold">
+                            <p:stCondLst>
+                              <p:cond delay="0"/>
+                            </p:stCondLst>
+                            <p:childTnLst>
+                              <p:par>
+                                <p:cTn id="17" presetID="1" presetClass="entr" presetSubtype="0" fill="hold" grpId="0" nodeType="clickEffect">
+                                  <p:stCondLst>
+                                    <p:cond delay="0"/>
+                                  </p:stCondLst>
+                                  <p:childTnLst>
+                                    <p:set>
+                                      <p:cBhvr>
+                                        <p:cTn id="18" dur="1" fill="hold">
+                                          <p:stCondLst>
+                                            <p:cond delay="0"/>
+                                          </p:stCondLst>
+                                        </p:cTn>
+                                        <p:tgtEl>
+                                          <p:spTgt spid="3">
+                                            <p:txEl>
+                                              <p:pRg st="3" end="3"/>
+                                            </p:txEl>
+                                          </p:spTgt>
+                                        </p:tgtEl>
+                                        <p:attrNameLst>
+                                          <p:attrName>style.visibility</p:attrName>
+                                        </p:attrNameLst>
+                                      </p:cBhvr>
+                                      <p:to>
+                                        <p:strVal val="visible"/>
+                                      </p:to>
+                                    </p:set>
+                                  </p:childTnLst>
+                                </p:cTn>
+                              </p:par>
+                            </p:childTnLst>
+                          </p:cTn>
+                        </p:par>
+                      </p:childTnLst>
+                    </p:cTn>
+                  </p:par>
+                  <p:par>
+                    <p:cTn id="19" fill="hold">
+                      <p:stCondLst>
+                        <p:cond delay="indefinite"/>
+                      </p:stCondLst>
+                      <p:childTnLst>
+                        <p:par>
+                          <p:cTn id="20" fill="hold">
+                            <p:stCondLst>
+                              <p:cond delay="0"/>
+                            </p:stCondLst>
+                            <p:childTnLst>
+                              <p:par>
+                                <p:cTn id="21" presetID="1" presetClass="entr" presetSubtype="0" fill="hold" grpId="0" nodeType="clickEffect">
+                                  <p:stCondLst>
+                                    <p:cond delay="0"/>
+                                  </p:stCondLst>
+                                  <p:childTnLst>
+                                    <p:set>
+                                      <p:cBhvr>
+                                        <p:cTn id="22" dur="1" fill="hold">
+                                          <p:stCondLst>
+                                            <p:cond delay="0"/>
+                                          </p:stCondLst>
+                                        </p:cTn>
+                                        <p:tgtEl>
+                                          <p:spTgt spid="3">
+                                            <p:txEl>
+                                              <p:pRg st="4" end="4"/>
+                                            </p:txEl>
+                                          </p:spTgt>
+                                        </p:tgtEl>
+                                        <p:attrNameLst>
+                                          <p:attrName>style.visibility</p:attrName>
+                                        </p:attrNameLst>
+                                      </p:cBhvr>
+                                      <p:to>
+                                        <p:strVal val="visible"/>
+                                      </p:to>
+                                    </p:set>
+                                  </p:childTnLst>
+                                </p:cTn>
+                              </p:par>
+                            </p:childTnLst>
+                          </p:cTn>
+                        </p:par>
+                      </p:childTnLst>
+                    </p:cTn>
+                  </p:par>
+                  <p:par>
+                    <p:cTn id="23" fill="hold">
+                      <p:stCondLst>
+                        <p:cond delay="indefinite"/>
+                      </p:stCondLst>
+                      <p:childTnLst>
+                        <p:par>
+                          <p:cTn id="24" fill="hold">
+                            <p:stCondLst>
+                              <p:cond delay="0"/>
+                            </p:stCondLst>
+                            <p:childTnLst>
+                              <p:par>
+                                <p:cTn id="25" presetID="1" presetClass="entr" presetSubtype="0" fill="hold" grpId="0" nodeType="clickEffect">
+                                  <p:stCondLst>
+                                    <p:cond delay="0"/>
+                                  </p:stCondLst>
+                                  <p:childTnLst>
+                                    <p:set>
+                                      <p:cBhvr>
+                                        <p:cTn id="26" dur="1" fill="hold">
+                                          <p:stCondLst>
+                                            <p:cond delay="0"/>
+                                          </p:stCondLst>
+                                        </p:cTn>
+                                        <p:tgtEl>
+                                          <p:spTgt spid="3">
+                                            <p:txEl>
+                                              <p:pRg st="5" end="5"/>
+                                            </p:txEl>
+                                          </p:spTgt>
+                                        </p:tgtEl>
+                                        <p:attrNameLst>
+                                          <p:attrName>style.visibility</p:attrName>
+                                        </p:attrNameLst>
+                                      </p:cBhvr>
+                                      <p:to>
+                                        <p:strVal val="visible"/>
+                                      </p:to>
+                                    </p:set>
+                                  </p:childTnLst>
+                                </p:cTn>
+                              </p:par>
+                            </p:childTnLst>
+                          </p:cTn>
+                        </p:par>
+                      </p:childTnLst>
+                    </p:cTn>
+                  </p:par>
+                  <p:par>
+                    <p:cTn id="27" fill="hold">
+                      <p:stCondLst>
+                        <p:cond delay="indefinite"/>
+                      </p:stCondLst>
+                      <p:childTnLst>
+                        <p:par>
+                          <p:cTn id="28" fill="hold">
+                            <p:stCondLst>
+                              <p:cond delay="0"/>
+                            </p:stCondLst>
+                            <p:childTnLst>
+                              <p:par>
+                                <p:cTn id="29" presetID="1" presetClass="entr" presetSubtype="0" fill="hold" grpId="0" nodeType="clickEffect">
+                                  <p:stCondLst>
+                                    <p:cond delay="0"/>
+                                  </p:stCondLst>
+                                  <p:childTnLst>
+                                    <p:set>
+                                      <p:cBhvr>
+                                        <p:cTn id="30" dur="1" fill="hold">
+                                          <p:stCondLst>
+                                            <p:cond delay="0"/>
+                                          </p:stCondLst>
+                                        </p:cTn>
+                                        <p:tgtEl>
+                                          <p:spTgt spid="3">
+                                            <p:txEl>
+                                              <p:pRg st="6" end="6"/>
+                                            </p:txEl>
+                                          </p:spTgt>
+                                        </p:tgtEl>
+                                        <p:attrNameLst>
+                                          <p:attrName>style.visibility</p:attrName>
+                                        </p:attrNameLst>
+                                      </p:cBhvr>
+                                      <p:to>
+                                        <p:strVal val="visible"/>
+                                      </p:to>
+                                    </p:set>
+                                  </p:childTnLst>
+                                </p:cTn>
+                              </p:par>
+                            </p:childTnLst>
+                          </p:cTn>
+                        </p:par>
+                      </p:childTnLst>
+                    </p:cTn>
+                  </p:par>
+                </p:childTnLst>
+              </p:cTn>
+              <p:prevCondLst>
+                <p:cond evt="onPrev" delay="0">
+                  <p:tgtEl>
+                    <p:sldTgt/>
+                  </p:tgtEl>
+                </p:cond>
+              </p:prevCondLst>
+              <p:nextCondLst>
+                <p:cond evt="onNext" delay="0">
+                  <p:tgtEl>
+                    <p:sldTgt/>
+                  </p:tgtEl>
+                </p:cond>
+              </p:nextCondLst>
+            </p:seq>
+          </p:childTnLst>
+        </p:cTn>
+      </p:par>
+    </p:tnLst>
+    <p:bldLst>
+      <p:bldP spid="3" grpId="0" uiExpand="1" build="p"/>
+    </p:bldLst>
+  </p:timing>
 </p:sld>
 </file>
 
@@ -7641,7 +7560,7 @@
             </a:pPr>
             <a:r>
               <a:rPr/>
-              <a:t>What is “Generative AI”?</a:t>
+              <a:t>What is “AI”, Anyway?</a:t>
             </a:r>
           </a:p>
         </p:txBody>
@@ -7661,77 +7580,74 @@
           <a:bodyPr/>
           <a:lstStyle/>
           <a:p>
-            <a:pPr lvl="0" indent="0" marL="0">
-              <a:buNone/>
-            </a:pPr>
-            <a:r>
-              <a:rPr/>
-              <a:t>These models have the following properties (quoted from Guest &amp; van Rooij, 2025):</a:t>
-            </a:r>
-          </a:p>
-          <a:p>
-            <a:pPr lvl="0"/>
-            <a:r>
-              <a:rPr/>
-              <a:t>Are </a:t>
+            <a:pPr lvl="0"/>
+            <a:r>
+              <a:rPr/>
+              <a:t>A </a:t>
             </a:r>
             <a:r>
               <a:rPr b="1"/>
-              <a:t>sophisticated statistical models</a:t>
-            </a:r>
-            <a:r>
-              <a:rPr/>
-              <a:t> so large they impact humans and the environment through their energy, land, and water use</a:t>
-            </a:r>
-          </a:p>
-          <a:p>
-            <a:pPr lvl="0"/>
-            <a:r>
-              <a:rPr/>
-              <a:t>Depend on </a:t>
-            </a:r>
-            <a:r>
-              <a:rPr b="1"/>
-              <a:t>vast swathes of data</a:t>
-            </a:r>
-            <a:r>
-              <a:rPr/>
-              <a:t>, which is mostly stolen or otherwise unethically obtained or refined</a:t>
-            </a:r>
-          </a:p>
-          <a:p>
-            <a:pPr lvl="0"/>
-            <a:r>
-              <a:rPr/>
-              <a:t>Can represent various statistical distributions and so can be </a:t>
-            </a:r>
-            <a:r>
-              <a:rPr b="1"/>
-              <a:t>discriminative, generative, or neither</a:t>
-            </a:r>
-          </a:p>
-          <a:p>
-            <a:pPr lvl="0"/>
-            <a:r>
-              <a:rPr/>
-              <a:t>Exist in a </a:t>
-            </a:r>
-            <a:r>
-              <a:rPr b="1"/>
-              <a:t>displacement relationship to humans</a:t>
-            </a:r>
-            <a:r>
-              <a:rPr/>
-              <a:t>, i.e. this type of AI product is harmful to people, it contributes to deskilling, and it obfuscates cognitive labour</a:t>
-            </a:r>
-          </a:p>
-          <a:p>
-            <a:pPr lvl="0" indent="0" marL="0">
-              <a:buNone/>
-            </a:pPr>
-            <a:r>
-              <a:rPr/>
-              <a:t>So generally includes “large language models” like ChatGPT, Claude, xAI/Grok, etc.</a:t>
+              <a:t>marketing term</a:t>
+            </a:r>
+            <a:r>
+              <a:rPr/>
+              <a:t> that covers a huge number of technologies, methodologies, and models, including:</a:t>
+            </a:r>
+          </a:p>
+          <a:p>
+            <a:pPr lvl="1"/>
+            <a:r>
+              <a:rPr/>
+              <a:t>Spellcheck software</a:t>
+            </a:r>
+          </a:p>
+          <a:p>
+            <a:pPr lvl="1"/>
+            <a:r>
+              <a:rPr/>
+              <a:t>Text autocomplete</a:t>
+            </a:r>
+          </a:p>
+          <a:p>
+            <a:pPr lvl="1"/>
+            <a:r>
+              <a:rPr/>
+              <a:t>Automatic caption generation</a:t>
+            </a:r>
+          </a:p>
+          <a:p>
+            <a:pPr lvl="1"/>
+            <a:r>
+              <a:rPr/>
+              <a:t>Machine learning</a:t>
+            </a:r>
+          </a:p>
+          <a:p>
+            <a:pPr lvl="1"/>
+            <a:r>
+              <a:rPr/>
+              <a:t>“The Algorithm”</a:t>
+            </a:r>
+          </a:p>
+          <a:p>
+            <a:pPr lvl="1"/>
+            <a:r>
+              <a:rPr/>
+              <a:t>Statistical models of various kinds</a:t>
+            </a:r>
+          </a:p>
+          <a:p>
+            <a:pPr lvl="1"/>
+            <a:r>
+              <a:rPr/>
+              <a:t>Image/video generation and detection</a:t>
+            </a:r>
+          </a:p>
+          <a:p>
+            <a:pPr lvl="1"/>
+            <a:r>
+              <a:rPr/>
+              <a:t>Generative AI/Large Language Models (LLMs)</a:t>
             </a:r>
           </a:p>
         </p:txBody>
@@ -7803,77 +7719,72 @@
             </a:pPr>
             <a:r>
               <a:rPr/>
-              <a:t>In essence, Large Language Models generate linguistic output by probabilistically identifying the </a:t>
+              <a:t>These models have the following properties (quoted from Guest &amp; van Rooij, 2025):</a:t>
+            </a:r>
+          </a:p>
+          <a:p>
+            <a:pPr lvl="0"/>
+            <a:r>
+              <a:rPr/>
+              <a:t>Are </a:t>
             </a:r>
             <a:r>
               <a:rPr b="1"/>
-              <a:t>most likely next token in a sequence</a:t>
-            </a:r>
-            <a:r>
-              <a:rPr/>
-              <a:t> across massive amounts of training input</a:t>
-            </a:r>
-          </a:p>
-          <a:p>
-            <a:pPr lvl="0"/>
-            <a:r>
-              <a:rPr/>
-              <a:t>“Token”: character, word, phrase, etc.</a:t>
-            </a:r>
-          </a:p>
-          <a:p>
-            <a:pPr lvl="0" indent="0" marL="0">
-              <a:buNone/>
-            </a:pPr>
-            <a:r>
-              <a:rPr/>
-              <a:t>. . .</a:t>
-            </a:r>
-          </a:p>
-          <a:p>
-            <a:pPr lvl="0" indent="0" marL="0">
-              <a:buNone/>
-            </a:pPr>
-            <a:r>
-              <a:rPr/>
-              <a:t>They regularly produce “hallucinations” - ie bullshit (technical term)</a:t>
-            </a:r>
-          </a:p>
-          <a:p>
-            <a:pPr lvl="0"/>
-            <a:r>
-              <a:rPr/>
-              <a:t>This is an </a:t>
+              <a:t>sophisticated statistical models</a:t>
+            </a:r>
+            <a:r>
+              <a:rPr/>
+              <a:t> so large they impact humans and the environment through their energy, land, and water use</a:t>
+            </a:r>
+          </a:p>
+          <a:p>
+            <a:pPr lvl="0"/>
+            <a:r>
+              <a:rPr/>
+              <a:t>Depend on </a:t>
             </a:r>
             <a:r>
               <a:rPr b="1"/>
-              <a:t>inherent property</a:t>
-            </a:r>
-            <a:r>
-              <a:rPr/>
-              <a:t> of LLMs (Lee, 2023)</a:t>
-            </a:r>
-          </a:p>
-          <a:p>
-            <a:pPr lvl="0"/>
-            <a:r>
-              <a:rPr/>
-              <a:t>They are constructed to be confident, conversational, and helpful</a:t>
-            </a:r>
-          </a:p>
-          <a:p>
-            <a:pPr lvl="0"/>
-            <a:r>
-              <a:rPr/>
-              <a:t>When there is a gap in the training data, they construct a plausible answer given the information they </a:t>
-            </a:r>
-            <a:r>
-              <a:rPr i="1"/>
-              <a:t>do</a:t>
-            </a:r>
-            <a:r>
-              <a:rPr/>
-              <a:t> have</a:t>
+              <a:t>vast swathes of data</a:t>
+            </a:r>
+            <a:r>
+              <a:rPr/>
+              <a:t>, which is mostly stolen or otherwise unethically obtained or refined</a:t>
+            </a:r>
+          </a:p>
+          <a:p>
+            <a:pPr lvl="0"/>
+            <a:r>
+              <a:rPr/>
+              <a:t>Can represent various statistical distributions and so can be </a:t>
+            </a:r>
+            <a:r>
+              <a:rPr b="1"/>
+              <a:t>discriminative, generative, or neither</a:t>
+            </a:r>
+          </a:p>
+          <a:p>
+            <a:pPr lvl="0"/>
+            <a:r>
+              <a:rPr/>
+              <a:t>Exist in a </a:t>
+            </a:r>
+            <a:r>
+              <a:rPr b="1"/>
+              <a:t>displacement relationship to humans</a:t>
+            </a:r>
+            <a:r>
+              <a:rPr/>
+              <a:t>, i.e. this type of AI product is harmful to people, it contributes to deskilling, and it obfuscates cognitive labour</a:t>
+            </a:r>
+          </a:p>
+          <a:p>
+            <a:pPr lvl="0" indent="0" marL="0">
+              <a:buNone/>
+            </a:pPr>
+            <a:r>
+              <a:rPr/>
+              <a:t>So generally includes “large language models” like ChatGPT, Claude, xAI/Grok, etc.</a:t>
             </a:r>
           </a:p>
         </p:txBody>
@@ -7943,28 +7854,24 @@
             <a:pPr lvl="0" indent="0" marL="0">
               <a:buNone/>
             </a:pPr>
-          </a:p>
-          <a:p>
-            <a:pPr lvl="0" indent="0" marL="0">
-              <a:buNone/>
-            </a:pPr>
-            <a:r>
-              <a:rPr/>
-              <a:t>When you interact with an LLM/GenAI chatbot, you think you’re asking:</a:t>
-            </a:r>
-          </a:p>
-          <a:p>
-            <a:pPr lvl="0" indent="0" marL="0">
-              <a:buNone/>
-            </a:pPr>
-          </a:p>
-          <a:p>
-            <a:pPr lvl="0" indent="0" marL="0">
-              <a:buNone/>
-            </a:pPr>
-            <a:r>
-              <a:rPr/>
-              <a:t>“What is the answer to this question?”</a:t>
+            <a:r>
+              <a:rPr/>
+              <a:t>In essence, Large Language Models generate linguistic output by probabilistically identifying the </a:t>
+            </a:r>
+            <a:r>
+              <a:rPr b="1"/>
+              <a:t>most likely next token in a sequence</a:t>
+            </a:r>
+            <a:r>
+              <a:rPr/>
+              <a:t> across massive amounts of training input</a:t>
+            </a:r>
+          </a:p>
+          <a:p>
+            <a:pPr lvl="0"/>
+            <a:r>
+              <a:rPr/>
+              <a:t>“Token”: character, word, phrase, etc.</a:t>
             </a:r>
           </a:p>
           <a:p>
@@ -7980,44 +7887,46 @@
             <a:pPr lvl="0" indent="0" marL="0">
               <a:buNone/>
             </a:pPr>
-          </a:p>
-          <a:p>
-            <a:pPr lvl="0" indent="0" marL="0">
-              <a:buNone/>
-            </a:pPr>
-            <a:r>
-              <a:rPr/>
-              <a:t>But what you </a:t>
+            <a:r>
+              <a:rPr/>
+              <a:t>They regularly produce “hallucinations” - ie bullshit (technical term)</a:t>
+            </a:r>
+          </a:p>
+          <a:p>
+            <a:pPr lvl="0"/>
+            <a:r>
+              <a:rPr/>
+              <a:t>This is an </a:t>
             </a:r>
             <a:r>
               <a:rPr b="1"/>
-              <a:t>actually</a:t>
-            </a:r>
-            <a:r>
-              <a:rPr/>
-              <a:t> get is:</a:t>
-            </a:r>
-          </a:p>
-          <a:p>
-            <a:pPr lvl="0" indent="0" marL="0">
-              <a:buNone/>
-            </a:pPr>
-          </a:p>
-          <a:p>
-            <a:pPr lvl="0" indent="0" marL="0">
-              <a:buNone/>
-            </a:pPr>
-            <a:r>
-              <a:rPr/>
-              <a:t>“What does a plausible answer to this question </a:t>
+              <a:t>inherent property</a:t>
+            </a:r>
+            <a:r>
+              <a:rPr/>
+              <a:t> of LLMs (Lee, 2023)</a:t>
+            </a:r>
+          </a:p>
+          <a:p>
+            <a:pPr lvl="0"/>
+            <a:r>
+              <a:rPr/>
+              <a:t>They are constructed to be confident, conversational, and helpful</a:t>
+            </a:r>
+          </a:p>
+          <a:p>
+            <a:pPr lvl="0"/>
+            <a:r>
+              <a:rPr/>
+              <a:t>When there is a gap in the training data, they construct a plausible answer given the information they </a:t>
             </a:r>
             <a:r>
               <a:rPr i="1"/>
-              <a:t>sound like</a:t>
-            </a:r>
-            <a:r>
-              <a:rPr/>
-              <a:t>?”</a:t>
+              <a:t>do</a:t>
+            </a:r>
+            <a:r>
+              <a:rPr/>
+              <a:t> have</a:t>
             </a:r>
           </a:p>
         </p:txBody>
@@ -8064,7 +7973,7 @@
             </a:pPr>
             <a:r>
               <a:rPr/>
-              <a:t>So…</a:t>
+              <a:t>What is “Generative AI”?</a:t>
             </a:r>
           </a:p>
         </p:txBody>
@@ -8094,7 +8003,74 @@
             </a:pPr>
             <a:r>
               <a:rPr/>
-              <a:t>What does this mean for us as people who care about scientific accuracy, truth, fairness, and standards of evidence?</a:t>
+              <a:t>When you interact with an LLM/GenAI chatbot, you think you’re asking:</a:t>
+            </a:r>
+          </a:p>
+          <a:p>
+            <a:pPr lvl="0" indent="0" marL="0">
+              <a:buNone/>
+            </a:pPr>
+          </a:p>
+          <a:p>
+            <a:pPr lvl="0" indent="0" marL="0">
+              <a:buNone/>
+            </a:pPr>
+            <a:r>
+              <a:rPr/>
+              <a:t>“What is the answer to this question?”</a:t>
+            </a:r>
+          </a:p>
+          <a:p>
+            <a:pPr lvl="0" indent="0" marL="0">
+              <a:buNone/>
+            </a:pPr>
+            <a:r>
+              <a:rPr/>
+              <a:t>. . .</a:t>
+            </a:r>
+          </a:p>
+          <a:p>
+            <a:pPr lvl="0" indent="0" marL="0">
+              <a:buNone/>
+            </a:pPr>
+          </a:p>
+          <a:p>
+            <a:pPr lvl="0" indent="0" marL="0">
+              <a:buNone/>
+            </a:pPr>
+            <a:r>
+              <a:rPr/>
+              <a:t>But what you </a:t>
+            </a:r>
+            <a:r>
+              <a:rPr b="1"/>
+              <a:t>actually</a:t>
+            </a:r>
+            <a:r>
+              <a:rPr/>
+              <a:t> get is:</a:t>
+            </a:r>
+          </a:p>
+          <a:p>
+            <a:pPr lvl="0" indent="0" marL="0">
+              <a:buNone/>
+            </a:pPr>
+          </a:p>
+          <a:p>
+            <a:pPr lvl="0" indent="0" marL="0">
+              <a:buNone/>
+            </a:pPr>
+            <a:r>
+              <a:rPr/>
+              <a:t>“What does a plausible answer to this question </a:t>
+            </a:r>
+            <a:r>
+              <a:rPr i="1"/>
+              <a:t>sound like</a:t>
+            </a:r>
+            <a:r>
+              <a:rPr/>
+              <a:t>?”</a:t>
             </a:r>
           </a:p>
         </p:txBody>
@@ -8105,6 +8081,83 @@
 </file>
 
 <file path=ppt/slides/slide34.xml><?xml version="1.0" encoding="utf-8"?>
+<p:sld xmlns:a="http://schemas.openxmlformats.org/drawingml/2006/main" xmlns:r="http://schemas.openxmlformats.org/officeDocument/2006/relationships" xmlns:p="http://schemas.openxmlformats.org/presentationml/2006/main">
+  <p:cSld>
+    <p:spTree>
+      <p:nvGrpSpPr>
+        <p:cNvPr id="1" name=""/>
+        <p:cNvGrpSpPr/>
+        <p:nvPr/>
+      </p:nvGrpSpPr>
+      <p:grpSpPr>
+        <a:xfrm>
+          <a:off x="0" y="0"/>
+          <a:ext cx="0" cy="0"/>
+          <a:chOff x="0" y="0"/>
+          <a:chExt cx="0" cy="0"/>
+        </a:xfrm>
+      </p:grpSpPr>
+      <p:sp>
+        <p:nvSpPr>
+          <p:cNvPr id="2" name="Title 1"/>
+          <p:cNvSpPr>
+            <a:spLocks noGrp="1"/>
+          </p:cNvSpPr>
+          <p:nvPr>
+            <p:ph type="title"/>
+          </p:nvPr>
+        </p:nvSpPr>
+        <p:spPr/>
+        <p:txBody>
+          <a:bodyPr/>
+          <a:lstStyle/>
+          <a:p>
+            <a:pPr lvl="0" indent="0" marL="0">
+              <a:buNone/>
+            </a:pPr>
+            <a:r>
+              <a:rPr/>
+              <a:t>So…</a:t>
+            </a:r>
+          </a:p>
+        </p:txBody>
+      </p:sp>
+      <p:sp>
+        <p:nvSpPr>
+          <p:cNvPr id="3" name="Content Placeholder 2"/>
+          <p:cNvSpPr>
+            <a:spLocks noGrp="1"/>
+          </p:cNvSpPr>
+          <p:nvPr>
+            <p:ph idx="1"/>
+          </p:nvPr>
+        </p:nvSpPr>
+        <p:spPr/>
+        <p:txBody>
+          <a:bodyPr/>
+          <a:lstStyle/>
+          <a:p>
+            <a:pPr lvl="0" indent="0" marL="0">
+              <a:buNone/>
+            </a:pPr>
+          </a:p>
+          <a:p>
+            <a:pPr lvl="0" indent="0" marL="0">
+              <a:buNone/>
+            </a:pPr>
+            <a:r>
+              <a:rPr/>
+              <a:t>What does this mean for us as people who care about scientific accuracy, truth, fairness, and standards of evidence?</a:t>
+            </a:r>
+          </a:p>
+        </p:txBody>
+      </p:sp>
+    </p:spTree>
+  </p:cSld>
+</p:sld>
+</file>
+
+<file path=ppt/slides/slide35.xml><?xml version="1.0" encoding="utf-8"?>
 <p:sld xmlns:a="http://schemas.openxmlformats.org/drawingml/2006/main" xmlns:r="http://schemas.openxmlformats.org/officeDocument/2006/relationships" xmlns:p="http://schemas.openxmlformats.org/presentationml/2006/main">
   <p:cSld>
     <p:spTree>
@@ -8225,76 +8278,6 @@
 </p:sld>
 </file>
 
-<file path=ppt/slides/slide35.xml><?xml version="1.0" encoding="utf-8"?>
-<p:sld xmlns:a="http://schemas.openxmlformats.org/drawingml/2006/main" xmlns:r="http://schemas.openxmlformats.org/officeDocument/2006/relationships" xmlns:p="http://schemas.openxmlformats.org/presentationml/2006/main">
-  <p:cSld>
-    <p:spTree>
-      <p:nvGrpSpPr>
-        <p:cNvPr id="1" name=""/>
-        <p:cNvGrpSpPr/>
-        <p:nvPr/>
-      </p:nvGrpSpPr>
-      <p:grpSpPr>
-        <a:xfrm>
-          <a:off x="0" y="0"/>
-          <a:ext cx="0" cy="0"/>
-          <a:chOff x="0" y="0"/>
-          <a:chExt cx="0" cy="0"/>
-        </a:xfrm>
-      </p:grpSpPr>
-      <p:sp>
-        <p:nvSpPr>
-          <p:cNvPr id="2" name="Title 1"/>
-          <p:cNvSpPr>
-            <a:spLocks noGrp="1"/>
-          </p:cNvSpPr>
-          <p:nvPr>
-            <p:ph type="title"/>
-          </p:nvPr>
-        </p:nvSpPr>
-        <p:spPr/>
-        <p:txBody>
-          <a:bodyPr/>
-          <a:lstStyle/>
-          <a:p>
-            <a:pPr lvl="0" indent="0" marL="0">
-              <a:buNone/>
-            </a:pPr>
-            <a:r>
-              <a:rPr/>
-              <a:t>Using Generative AI “responsibly”</a:t>
-            </a:r>
-          </a:p>
-        </p:txBody>
-      </p:sp>
-      <p:sp>
-        <p:nvSpPr>
-          <p:cNvPr id="3" name="Content Placeholder 2"/>
-          <p:cNvSpPr>
-            <a:spLocks noGrp="1"/>
-          </p:cNvSpPr>
-          <p:nvPr>
-            <p:ph idx="1"/>
-          </p:nvPr>
-        </p:nvSpPr>
-        <p:spPr/>
-        <p:txBody>
-          <a:bodyPr/>
-          <a:lstStyle/>
-          <a:p>
-            <a:pPr lvl="0"/>
-            <a:r>
-              <a:rPr/>
-              <a:t>Generative AI models are “bullshit generators” - no concern for truth or lies (Frankfurt 2005; Bergstrom and West 2020). To overcome this:</a:t>
-            </a:r>
-          </a:p>
-        </p:txBody>
-      </p:sp>
-    </p:spTree>
-  </p:cSld>
-</p:sld>
-</file>
-
 <file path=ppt/slides/slide36.xml><?xml version="1.0" encoding="utf-8"?>
 <p:sld xmlns:a="http://schemas.openxmlformats.org/drawingml/2006/main" xmlns:r="http://schemas.openxmlformats.org/officeDocument/2006/relationships" xmlns:p="http://schemas.openxmlformats.org/presentationml/2006/main">
   <p:cSld>
@@ -8314,131 +8297,48 @@
       </p:grpSpPr>
       <p:sp>
         <p:nvSpPr>
+          <p:cNvPr id="2" name="Title 1"/>
+          <p:cNvSpPr>
+            <a:spLocks noGrp="1"/>
+          </p:cNvSpPr>
+          <p:nvPr>
+            <p:ph type="title"/>
+          </p:nvPr>
+        </p:nvSpPr>
+        <p:spPr/>
+        <p:txBody>
+          <a:bodyPr/>
+          <a:lstStyle/>
+          <a:p>
+            <a:pPr lvl="0" indent="0" marL="0">
+              <a:buNone/>
+            </a:pPr>
+            <a:r>
+              <a:rPr/>
+              <a:t>Using Generative AI “responsibly”</a:t>
+            </a:r>
+          </a:p>
+        </p:txBody>
+      </p:sp>
+      <p:sp>
+        <p:nvSpPr>
           <p:cNvPr id="3" name="Content Placeholder 2"/>
           <p:cNvSpPr>
             <a:spLocks noGrp="1"/>
           </p:cNvSpPr>
           <p:nvPr>
-            <p:ph idx="1" sz="half"/>
-          </p:nvPr>
-        </p:nvSpPr>
-        <p:spPr/>
-        <p:txBody>
-          <a:bodyPr/>
-          <a:lstStyle/>
-          <a:p>
-            <a:pPr lvl="0" indent="0" marL="0">
-              <a:buNone/>
-            </a:pPr>
-            <a:r>
-              <a:rPr b="1"/>
-              <a:t>(1) Fact. Check. Everything.</a:t>
-            </a:r>
-          </a:p>
-          <a:p>
-            <a:pPr lvl="0"/>
-            <a:r>
-              <a:rPr/>
-              <a:t>Find authoritative information to confirm:</a:t>
-            </a:r>
-          </a:p>
-          <a:p>
-            <a:pPr lvl="1"/>
-            <a:r>
-              <a:rPr/>
-              <a:t>Every statement</a:t>
-            </a:r>
-          </a:p>
-          <a:p>
-            <a:pPr lvl="1"/>
-            <a:r>
-              <a:rPr/>
-              <a:t>Every reference</a:t>
-            </a:r>
-          </a:p>
-          <a:p>
-            <a:pPr lvl="1"/>
-            <a:r>
-              <a:rPr/>
-              <a:t>Every line of code</a:t>
-            </a:r>
-          </a:p>
-          <a:p>
-            <a:pPr lvl="1"/>
-            <a:r>
-              <a:rPr/>
-              <a:t>Every conclusion</a:t>
-            </a:r>
-          </a:p>
-          <a:p>
-            <a:pPr lvl="1"/>
-            <a:r>
-              <a:rPr/>
-              <a:t>Every recommendation</a:t>
-            </a:r>
-          </a:p>
-          <a:p>
-            <a:pPr lvl="0" indent="0" marL="0">
-              <a:buNone/>
-            </a:pPr>
-            <a:r>
-              <a:rPr/>
-              <a:t>[… why not </a:t>
-            </a:r>
-            <a:r>
-              <a:rPr b="1"/>
-              <a:t>use authoritative source in the first place</a:t>
-            </a:r>
-            <a:r>
-              <a:rPr/>
-              <a:t> and forgo the word lottery entirely?]</a:t>
-            </a:r>
-          </a:p>
-        </p:txBody>
-      </p:sp>
-      <p:sp>
-        <p:nvSpPr>
-          <p:cNvPr id="4" name="Content Placeholder 3"/>
-          <p:cNvSpPr>
-            <a:spLocks noGrp="1"/>
-          </p:cNvSpPr>
-          <p:nvPr>
-            <p:ph idx="2" sz="half"/>
-          </p:nvPr>
-        </p:nvSpPr>
-        <p:spPr/>
-        <p:txBody>
-          <a:bodyPr/>
-          <a:lstStyle/>
-          <a:p>
-            <a:pPr lvl="0" indent="0" marL="0">
-              <a:buNone/>
-            </a:pPr>
-            <a:r>
-              <a:rPr b="1"/>
-              <a:t>(2) Gain competence</a:t>
-            </a:r>
-          </a:p>
-          <a:p>
-            <a:pPr lvl="0"/>
-            <a:r>
-              <a:rPr/>
-              <a:t>Competence is </a:t>
-            </a:r>
-            <a:r>
-              <a:rPr i="1"/>
-              <a:t>NOT</a:t>
-            </a:r>
-            <a:r>
-              <a:rPr/>
-              <a:t> being able to judge whether something “sounds right”.</a:t>
-            </a:r>
-          </a:p>
-          <a:p>
-            <a:pPr lvl="0"/>
-            <a:r>
-              <a:rPr/>
-              <a:t>Competence in one area doesn’t automatically make you competent in another area.</a:t>
+            <p:ph idx="1"/>
+          </p:nvPr>
+        </p:nvSpPr>
+        <p:spPr/>
+        <p:txBody>
+          <a:bodyPr/>
+          <a:lstStyle/>
+          <a:p>
+            <a:pPr lvl="0"/>
+            <a:r>
+              <a:rPr/>
+              <a:t>Generative AI models are “bullshit generators” - no concern for truth or lies (Frankfurt 2005; Bergstrom and West 2020). To overcome this:</a:t>
             </a:r>
           </a:p>
         </p:txBody>
@@ -8449,6 +8349,159 @@
 </file>
 
 <file path=ppt/slides/slide37.xml><?xml version="1.0" encoding="utf-8"?>
+<p:sld xmlns:a="http://schemas.openxmlformats.org/drawingml/2006/main" xmlns:r="http://schemas.openxmlformats.org/officeDocument/2006/relationships" xmlns:p="http://schemas.openxmlformats.org/presentationml/2006/main">
+  <p:cSld>
+    <p:spTree>
+      <p:nvGrpSpPr>
+        <p:cNvPr id="1" name=""/>
+        <p:cNvGrpSpPr/>
+        <p:nvPr/>
+      </p:nvGrpSpPr>
+      <p:grpSpPr>
+        <a:xfrm>
+          <a:off x="0" y="0"/>
+          <a:ext cx="0" cy="0"/>
+          <a:chOff x="0" y="0"/>
+          <a:chExt cx="0" cy="0"/>
+        </a:xfrm>
+      </p:grpSpPr>
+      <p:sp>
+        <p:nvSpPr>
+          <p:cNvPr id="3" name="Content Placeholder 2"/>
+          <p:cNvSpPr>
+            <a:spLocks noGrp="1"/>
+          </p:cNvSpPr>
+          <p:nvPr>
+            <p:ph idx="1" sz="half"/>
+          </p:nvPr>
+        </p:nvSpPr>
+        <p:spPr/>
+        <p:txBody>
+          <a:bodyPr/>
+          <a:lstStyle/>
+          <a:p>
+            <a:pPr lvl="0" indent="0" marL="0">
+              <a:buNone/>
+            </a:pPr>
+            <a:r>
+              <a:rPr b="1"/>
+              <a:t>(1) Fact. Check. Everything.</a:t>
+            </a:r>
+          </a:p>
+          <a:p>
+            <a:pPr lvl="0"/>
+            <a:r>
+              <a:rPr/>
+              <a:t>Find authoritative information to confirm:</a:t>
+            </a:r>
+          </a:p>
+          <a:p>
+            <a:pPr lvl="1"/>
+            <a:r>
+              <a:rPr/>
+              <a:t>Every statement</a:t>
+            </a:r>
+          </a:p>
+          <a:p>
+            <a:pPr lvl="1"/>
+            <a:r>
+              <a:rPr/>
+              <a:t>Every reference</a:t>
+            </a:r>
+          </a:p>
+          <a:p>
+            <a:pPr lvl="1"/>
+            <a:r>
+              <a:rPr/>
+              <a:t>Every line of code</a:t>
+            </a:r>
+          </a:p>
+          <a:p>
+            <a:pPr lvl="1"/>
+            <a:r>
+              <a:rPr/>
+              <a:t>Every conclusion</a:t>
+            </a:r>
+          </a:p>
+          <a:p>
+            <a:pPr lvl="1"/>
+            <a:r>
+              <a:rPr/>
+              <a:t>Every recommendation</a:t>
+            </a:r>
+          </a:p>
+          <a:p>
+            <a:pPr lvl="0" indent="0" marL="0">
+              <a:buNone/>
+            </a:pPr>
+            <a:r>
+              <a:rPr/>
+              <a:t>[… why not </a:t>
+            </a:r>
+            <a:r>
+              <a:rPr b="1"/>
+              <a:t>use authoritative source in the first place</a:t>
+            </a:r>
+            <a:r>
+              <a:rPr/>
+              <a:t> and forgo the word lottery entirely?]</a:t>
+            </a:r>
+          </a:p>
+        </p:txBody>
+      </p:sp>
+      <p:sp>
+        <p:nvSpPr>
+          <p:cNvPr id="4" name="Content Placeholder 3"/>
+          <p:cNvSpPr>
+            <a:spLocks noGrp="1"/>
+          </p:cNvSpPr>
+          <p:nvPr>
+            <p:ph idx="2" sz="half"/>
+          </p:nvPr>
+        </p:nvSpPr>
+        <p:spPr/>
+        <p:txBody>
+          <a:bodyPr/>
+          <a:lstStyle/>
+          <a:p>
+            <a:pPr lvl="0" indent="0" marL="0">
+              <a:buNone/>
+            </a:pPr>
+            <a:r>
+              <a:rPr b="1"/>
+              <a:t>(2) Gain competence</a:t>
+            </a:r>
+          </a:p>
+          <a:p>
+            <a:pPr lvl="0"/>
+            <a:r>
+              <a:rPr/>
+              <a:t>Competence is </a:t>
+            </a:r>
+            <a:r>
+              <a:rPr i="1"/>
+              <a:t>NOT</a:t>
+            </a:r>
+            <a:r>
+              <a:rPr/>
+              <a:t> being able to judge whether something “sounds right”.</a:t>
+            </a:r>
+          </a:p>
+          <a:p>
+            <a:pPr lvl="0"/>
+            <a:r>
+              <a:rPr/>
+              <a:t>Competence in one area doesn’t automatically make you competent in another area.</a:t>
+            </a:r>
+          </a:p>
+        </p:txBody>
+      </p:sp>
+    </p:spTree>
+  </p:cSld>
+</p:sld>
+</file>
+
+<file path=ppt/slides/slide38.xml><?xml version="1.0" encoding="utf-8"?>
 <p:sld xmlns:a="http://schemas.openxmlformats.org/drawingml/2006/main" xmlns:r="http://schemas.openxmlformats.org/officeDocument/2006/relationships" xmlns:p="http://schemas.openxmlformats.org/presentationml/2006/main">
   <p:cSld>
     <p:spTree>
@@ -8525,7 +8578,7 @@
 </p:sld>
 </file>
 
-<file path=ppt/slides/slide38.xml><?xml version="1.0" encoding="utf-8"?>
+<file path=ppt/slides/slide39.xml><?xml version="1.0" encoding="utf-8"?>
 <p:sld xmlns:a="http://schemas.openxmlformats.org/drawingml/2006/main" xmlns:r="http://schemas.openxmlformats.org/officeDocument/2006/relationships" xmlns:p="http://schemas.openxmlformats.org/presentationml/2006/main">
   <p:cSld>
     <p:spTree>
@@ -8602,7 +8655,128 @@
 </p:sld>
 </file>
 
-<file path=ppt/slides/slide39.xml><?xml version="1.0" encoding="utf-8"?>
+<file path=ppt/slides/slide4.xml><?xml version="1.0" encoding="utf-8"?>
+<p:sld xmlns:a="http://schemas.openxmlformats.org/drawingml/2006/main" xmlns:r="http://schemas.openxmlformats.org/officeDocument/2006/relationships" xmlns:p="http://schemas.openxmlformats.org/presentationml/2006/main">
+  <p:cSld>
+    <p:spTree>
+      <p:nvGrpSpPr>
+        <p:cNvPr id="1" name=""/>
+        <p:cNvGrpSpPr/>
+        <p:nvPr/>
+      </p:nvGrpSpPr>
+      <p:grpSpPr>
+        <a:xfrm>
+          <a:off x="0" y="0"/>
+          <a:ext cx="0" cy="0"/>
+          <a:chOff x="0" y="0"/>
+          <a:chExt cx="0" cy="0"/>
+        </a:xfrm>
+      </p:grpSpPr>
+      <p:sp>
+        <p:nvSpPr>
+          <p:cNvPr id="2" name="Title 1"/>
+          <p:cNvSpPr>
+            <a:spLocks noGrp="1"/>
+          </p:cNvSpPr>
+          <p:nvPr>
+            <p:ph type="title"/>
+          </p:nvPr>
+        </p:nvSpPr>
+        <p:spPr/>
+        <p:txBody>
+          <a:bodyPr/>
+          <a:lstStyle/>
+          <a:p>
+            <a:pPr lvl="0" indent="0" marL="0">
+              <a:buNone/>
+            </a:pPr>
+            <a:r>
+              <a:rPr/>
+              <a:t>What It Says On The Tin</a:t>
+            </a:r>
+          </a:p>
+        </p:txBody>
+      </p:sp>
+      <p:sp>
+        <p:nvSpPr>
+          <p:cNvPr id="3" name="Content Placeholder 2"/>
+          <p:cNvSpPr>
+            <a:spLocks noGrp="1"/>
+          </p:cNvSpPr>
+          <p:nvPr>
+            <p:ph idx="1"/>
+          </p:nvPr>
+        </p:nvSpPr>
+        <p:spPr/>
+        <p:txBody>
+          <a:bodyPr/>
+          <a:lstStyle/>
+          <a:p>
+            <a:pPr lvl="0"/>
+            <a:r>
+              <a:rPr/>
+              <a:t>First year core statistics and research methods module</a:t>
+            </a:r>
+          </a:p>
+          <a:p>
+            <a:pPr lvl="0"/>
+            <a:r>
+              <a:rPr/>
+              <a:t>Comprises lectures, skills labs, and practical sessions</a:t>
+            </a:r>
+          </a:p>
+          <a:p>
+            <a:pPr lvl="0" indent="0" marL="0">
+              <a:buNone/>
+            </a:pPr>
+            <a:r>
+              <a:rPr/>
+              <a:t>. . .</a:t>
+            </a:r>
+          </a:p>
+          <a:p>
+            <a:pPr lvl="0"/>
+            <a:r>
+              <a:rPr/>
+              <a:t>What will you learn?</a:t>
+            </a:r>
+          </a:p>
+          <a:p>
+            <a:pPr lvl="1"/>
+            <a:r>
+              <a:rPr/>
+              <a:t>Data literacy: how to think like a scientist about data</a:t>
+            </a:r>
+          </a:p>
+          <a:p>
+            <a:pPr lvl="1"/>
+            <a:r>
+              <a:rPr/>
+              <a:t>Working with data: cleaning, wrangling, summarising</a:t>
+            </a:r>
+          </a:p>
+          <a:p>
+            <a:pPr lvl="1"/>
+            <a:r>
+              <a:rPr/>
+              <a:t>R skills: using RStudio/Quarto, writing and reading code</a:t>
+            </a:r>
+          </a:p>
+          <a:p>
+            <a:pPr lvl="1"/>
+            <a:r>
+              <a:rPr/>
+              <a:t>Statistics: NHST, common tests, linear model</a:t>
+            </a:r>
+          </a:p>
+        </p:txBody>
+      </p:sp>
+    </p:spTree>
+  </p:cSld>
+</p:sld>
+</file>
+
+<file path=ppt/slides/slide40.xml><?xml version="1.0" encoding="utf-8"?>
 <p:sld xmlns:a="http://schemas.openxmlformats.org/drawingml/2006/main" xmlns:r="http://schemas.openxmlformats.org/officeDocument/2006/relationships" xmlns:p="http://schemas.openxmlformats.org/presentationml/2006/main">
   <p:cSld>
     <p:spTree>
@@ -8679,200 +8853,6 @@
 </p:sld>
 </file>
 
-<file path=ppt/slides/slide4.xml><?xml version="1.0" encoding="utf-8"?>
-<p:sld xmlns:a="http://schemas.openxmlformats.org/drawingml/2006/main" xmlns:r="http://schemas.openxmlformats.org/officeDocument/2006/relationships" xmlns:p="http://schemas.openxmlformats.org/presentationml/2006/main">
-  <p:cSld>
-    <p:spTree>
-      <p:nvGrpSpPr>
-        <p:cNvPr id="1" name=""/>
-        <p:cNvGrpSpPr/>
-        <p:nvPr/>
-      </p:nvGrpSpPr>
-      <p:grpSpPr>
-        <a:xfrm>
-          <a:off x="0" y="0"/>
-          <a:ext cx="0" cy="0"/>
-          <a:chOff x="0" y="0"/>
-          <a:chExt cx="0" cy="0"/>
-        </a:xfrm>
-      </p:grpSpPr>
-      <p:sp>
-        <p:nvSpPr>
-          <p:cNvPr id="2" name="Title 1"/>
-          <p:cNvSpPr>
-            <a:spLocks noGrp="1"/>
-          </p:cNvSpPr>
-          <p:nvPr>
-            <p:ph type="title"/>
-          </p:nvPr>
-        </p:nvSpPr>
-        <p:spPr/>
-        <p:txBody>
-          <a:bodyPr/>
-          <a:lstStyle/>
-          <a:p>
-            <a:pPr lvl="0" indent="0" marL="0">
-              <a:buNone/>
-            </a:pPr>
-            <a:r>
-              <a:rPr/>
-              <a:t>What It Says On The Tin</a:t>
-            </a:r>
-          </a:p>
-        </p:txBody>
-      </p:sp>
-      <p:sp>
-        <p:nvSpPr>
-          <p:cNvPr id="3" name="Content Placeholder 2"/>
-          <p:cNvSpPr>
-            <a:spLocks noGrp="1"/>
-          </p:cNvSpPr>
-          <p:nvPr>
-            <p:ph idx="1"/>
-          </p:nvPr>
-        </p:nvSpPr>
-        <p:spPr/>
-        <p:txBody>
-          <a:bodyPr/>
-          <a:lstStyle/>
-          <a:p>
-            <a:pPr lvl="0"/>
-            <a:r>
-              <a:rPr/>
-              <a:t>First year core statistics and research methods module</a:t>
-            </a:r>
-          </a:p>
-          <a:p>
-            <a:pPr lvl="0"/>
-            <a:r>
-              <a:rPr/>
-              <a:t>Comprises lectures, skills labs, and practical sessions</a:t>
-            </a:r>
-          </a:p>
-          <a:p>
-            <a:pPr lvl="0" indent="0" marL="0">
-              <a:buNone/>
-            </a:pPr>
-            <a:r>
-              <a:rPr/>
-              <a:t>. . .</a:t>
-            </a:r>
-          </a:p>
-          <a:p>
-            <a:pPr lvl="0"/>
-            <a:r>
-              <a:rPr/>
-              <a:t>What will you learn?</a:t>
-            </a:r>
-          </a:p>
-          <a:p>
-            <a:pPr lvl="1"/>
-            <a:r>
-              <a:rPr/>
-              <a:t>Data literacy: how to think like a scientist about data</a:t>
-            </a:r>
-          </a:p>
-          <a:p>
-            <a:pPr lvl="1"/>
-            <a:r>
-              <a:rPr/>
-              <a:t>Working with data: cleaning, wrangling, summarising</a:t>
-            </a:r>
-          </a:p>
-          <a:p>
-            <a:pPr lvl="1"/>
-            <a:r>
-              <a:rPr/>
-              <a:t>R skills: using RStudio/Quarto, writing and reading code</a:t>
-            </a:r>
-          </a:p>
-          <a:p>
-            <a:pPr lvl="1"/>
-            <a:r>
-              <a:rPr/>
-              <a:t>Statistics: NHST, common tests, linear model</a:t>
-            </a:r>
-          </a:p>
-        </p:txBody>
-      </p:sp>
-    </p:spTree>
-  </p:cSld>
-</p:sld>
-</file>
-
-<file path=ppt/slides/slide40.xml><?xml version="1.0" encoding="utf-8"?>
-<p:sld xmlns:a="http://schemas.openxmlformats.org/drawingml/2006/main" xmlns:r="http://schemas.openxmlformats.org/officeDocument/2006/relationships" xmlns:p="http://schemas.openxmlformats.org/presentationml/2006/main">
-  <p:cSld>
-    <p:spTree>
-      <p:nvGrpSpPr>
-        <p:cNvPr id="1" name=""/>
-        <p:cNvGrpSpPr/>
-        <p:nvPr/>
-      </p:nvGrpSpPr>
-      <p:grpSpPr>
-        <a:xfrm>
-          <a:off x="0" y="0"/>
-          <a:ext cx="0" cy="0"/>
-          <a:chOff x="0" y="0"/>
-          <a:chExt cx="0" cy="0"/>
-        </a:xfrm>
-      </p:grpSpPr>
-      <p:sp>
-        <p:nvSpPr>
-          <p:cNvPr id="2" name="Title 1"/>
-          <p:cNvSpPr>
-            <a:spLocks noGrp="1"/>
-          </p:cNvSpPr>
-          <p:nvPr>
-            <p:ph type="title"/>
-          </p:nvPr>
-        </p:nvSpPr>
-        <p:spPr/>
-        <p:txBody>
-          <a:bodyPr/>
-          <a:lstStyle/>
-          <a:p>
-            <a:pPr lvl="0" indent="0" marL="0">
-              <a:buNone/>
-            </a:pPr>
-            <a:r>
-              <a:rPr/>
-              <a:t>Judgments with/without competence</a:t>
-            </a:r>
-          </a:p>
-        </p:txBody>
-      </p:sp>
-      <p:sp>
-        <p:nvSpPr>
-          <p:cNvPr id="3" name="Content Placeholder 2"/>
-          <p:cNvSpPr>
-            <a:spLocks noGrp="1"/>
-          </p:cNvSpPr>
-          <p:nvPr>
-            <p:ph idx="1"/>
-          </p:nvPr>
-        </p:nvSpPr>
-        <p:spPr/>
-        <p:txBody>
-          <a:bodyPr/>
-          <a:lstStyle/>
-          <a:p>
-            <a:pPr lvl="0" indent="0" marL="0">
-              <a:buNone/>
-            </a:pPr>
-          </a:p>
-          <a:p>
-            <a:pPr lvl="0" indent="0" marL="0">
-              <a:buNone/>
-            </a:pPr>
-          </a:p>
-        </p:txBody>
-      </p:sp>
-    </p:spTree>
-  </p:cSld>
-</p:sld>
-</file>
-
 <file path=ppt/slides/slide41.xml><?xml version="1.0" encoding="utf-8"?>
 <p:sld xmlns:a="http://schemas.openxmlformats.org/drawingml/2006/main" xmlns:r="http://schemas.openxmlformats.org/officeDocument/2006/relationships" xmlns:p="http://schemas.openxmlformats.org/presentationml/2006/main">
   <p:cSld>
@@ -8892,6 +8872,31 @@
       </p:grpSpPr>
       <p:sp>
         <p:nvSpPr>
+          <p:cNvPr id="2" name="Title 1"/>
+          <p:cNvSpPr>
+            <a:spLocks noGrp="1"/>
+          </p:cNvSpPr>
+          <p:nvPr>
+            <p:ph type="title"/>
+          </p:nvPr>
+        </p:nvSpPr>
+        <p:spPr/>
+        <p:txBody>
+          <a:bodyPr/>
+          <a:lstStyle/>
+          <a:p>
+            <a:pPr lvl="0" indent="0" marL="0">
+              <a:buNone/>
+            </a:pPr>
+            <a:r>
+              <a:rPr/>
+              <a:t>Judgments with/without competence</a:t>
+            </a:r>
+          </a:p>
+        </p:txBody>
+      </p:sp>
+      <p:sp>
+        <p:nvSpPr>
           <p:cNvPr id="3" name="Content Placeholder 2"/>
           <p:cNvSpPr>
             <a:spLocks noGrp="1"/>
@@ -8906,86 +8911,13 @@
           <a:lstStyle/>
           <a:p>
             <a:pPr lvl="0" indent="0" marL="0">
-              <a:spcBef>
-                <a:spcPts val="3000"/>
-              </a:spcBef>
-              <a:buNone/>
-            </a:pPr>
-            <a:r>
-              <a:rPr b="1"/>
-              <a:t>Randomly generated output is not evidence.</a:t>
-            </a:r>
-          </a:p>
-          <a:p>
-            <a:pPr lvl="0" indent="0" marL="0">
-              <a:buNone/>
-            </a:pPr>
-            <a:r>
-              <a:rPr/>
-              <a:t>Gen AI output does </a:t>
-            </a:r>
-            <a:r>
-              <a:rPr b="1"/>
-              <a:t>not</a:t>
-            </a:r>
-            <a:r>
-              <a:rPr/>
-              <a:t> represent </a:t>
-            </a:r>
-            <a:r>
-              <a:rPr b="1"/>
-              <a:t>consensus</a:t>
-            </a:r>
-            <a:r>
-              <a:rPr/>
-              <a:t>, it represents what is present in the training data.</a:t>
-            </a:r>
-          </a:p>
-          <a:p>
-            <a:pPr lvl="0" indent="0" marL="0">
-              <a:buNone/>
-            </a:pPr>
-            <a:r>
-              <a:rPr/>
-              <a:t>Training data is known to be </a:t>
-            </a:r>
-            <a:r>
-              <a:rPr b="1"/>
-              <a:t>low quality, biased,</a:t>
-            </a:r>
-            <a:r>
-              <a:rPr/>
-              <a:t> contain </a:t>
-            </a:r>
-            <a:r>
-              <a:rPr b="1"/>
-              <a:t>misconceptions</a:t>
-            </a:r>
-            <a:r>
-              <a:rPr/>
-              <a:t> and </a:t>
-            </a:r>
-            <a:r>
-              <a:rPr b="1"/>
-              <a:t>non-sense</a:t>
-            </a:r>
-            <a:r>
-              <a:rPr/>
-              <a:t> (Kreutzer et al. 2022)</a:t>
-            </a:r>
-          </a:p>
-          <a:p>
-            <a:pPr lvl="0" indent="0" marL="0">
-              <a:buNone/>
-            </a:pPr>
-            <a:r>
-              <a:rPr/>
-              <a:t>“I checked, and even ChatGPT said…” </a:t>
-            </a:r>
-            <a:r>
-              <a:rPr b="1"/>
-              <a:t>- No!</a:t>
-            </a:r>
+              <a:buNone/>
+            </a:pPr>
+          </a:p>
+          <a:p>
+            <a:pPr lvl="0" indent="0" marL="0">
+              <a:buNone/>
+            </a:pPr>
           </a:p>
         </p:txBody>
       </p:sp>
@@ -9013,31 +8945,6 @@
       </p:grpSpPr>
       <p:sp>
         <p:nvSpPr>
-          <p:cNvPr id="2" name="Title 1"/>
-          <p:cNvSpPr>
-            <a:spLocks noGrp="1"/>
-          </p:cNvSpPr>
-          <p:nvPr>
-            <p:ph type="title"/>
-          </p:nvPr>
-        </p:nvSpPr>
-        <p:spPr/>
-        <p:txBody>
-          <a:bodyPr/>
-          <a:lstStyle/>
-          <a:p>
-            <a:pPr lvl="0" indent="0" marL="0">
-              <a:buNone/>
-            </a:pPr>
-            <a:r>
-              <a:rPr/>
-              <a:t>Judgments with/without competence</a:t>
-            </a:r>
-          </a:p>
-        </p:txBody>
-      </p:sp>
-      <p:sp>
-        <p:nvSpPr>
           <p:cNvPr id="3" name="Content Placeholder 2"/>
           <p:cNvSpPr>
             <a:spLocks noGrp="1"/>
@@ -9051,17 +8958,86 @@
           <a:bodyPr/>
           <a:lstStyle/>
           <a:p>
-            <a:pPr lvl="0"/>
-            <a:r>
-              <a:rPr/>
-              <a:t>Any bias in the training data will be amplified in the output.</a:t>
-            </a:r>
-          </a:p>
-          <a:p>
-            <a:pPr lvl="0"/>
-            <a:r>
-              <a:rPr/>
-              <a:t>Impossible to check or safeguard</a:t>
+            <a:pPr lvl="0" indent="0" marL="0">
+              <a:spcBef>
+                <a:spcPts val="3000"/>
+              </a:spcBef>
+              <a:buNone/>
+            </a:pPr>
+            <a:r>
+              <a:rPr b="1"/>
+              <a:t>Randomly generated output is not evidence.</a:t>
+            </a:r>
+          </a:p>
+          <a:p>
+            <a:pPr lvl="0" indent="0" marL="0">
+              <a:buNone/>
+            </a:pPr>
+            <a:r>
+              <a:rPr/>
+              <a:t>Gen AI output does </a:t>
+            </a:r>
+            <a:r>
+              <a:rPr b="1"/>
+              <a:t>not</a:t>
+            </a:r>
+            <a:r>
+              <a:rPr/>
+              <a:t> represent </a:t>
+            </a:r>
+            <a:r>
+              <a:rPr b="1"/>
+              <a:t>consensus</a:t>
+            </a:r>
+            <a:r>
+              <a:rPr/>
+              <a:t>, it represents what is present in the training data.</a:t>
+            </a:r>
+          </a:p>
+          <a:p>
+            <a:pPr lvl="0" indent="0" marL="0">
+              <a:buNone/>
+            </a:pPr>
+            <a:r>
+              <a:rPr/>
+              <a:t>Training data is known to be </a:t>
+            </a:r>
+            <a:r>
+              <a:rPr b="1"/>
+              <a:t>low quality, biased,</a:t>
+            </a:r>
+            <a:r>
+              <a:rPr/>
+              <a:t> contain </a:t>
+            </a:r>
+            <a:r>
+              <a:rPr b="1"/>
+              <a:t>misconceptions</a:t>
+            </a:r>
+            <a:r>
+              <a:rPr/>
+              <a:t> and </a:t>
+            </a:r>
+            <a:r>
+              <a:rPr b="1"/>
+              <a:t>non-sense</a:t>
+            </a:r>
+            <a:r>
+              <a:rPr/>
+              <a:t> (Kreutzer et al. 2022)</a:t>
+            </a:r>
+          </a:p>
+          <a:p>
+            <a:pPr lvl="0" indent="0" marL="0">
+              <a:buNone/>
+            </a:pPr>
+            <a:r>
+              <a:rPr/>
+              <a:t>“I checked, and even ChatGPT said…” </a:t>
+            </a:r>
+            <a:r>
+              <a:rPr b="1"/>
+              <a:t>- No!</a:t>
             </a:r>
           </a:p>
         </p:txBody>
@@ -9072,6 +9048,83 @@
 </file>
 
 <file path=ppt/slides/slide43.xml><?xml version="1.0" encoding="utf-8"?>
+<p:sld xmlns:a="http://schemas.openxmlformats.org/drawingml/2006/main" xmlns:r="http://schemas.openxmlformats.org/officeDocument/2006/relationships" xmlns:p="http://schemas.openxmlformats.org/presentationml/2006/main">
+  <p:cSld>
+    <p:spTree>
+      <p:nvGrpSpPr>
+        <p:cNvPr id="1" name=""/>
+        <p:cNvGrpSpPr/>
+        <p:nvPr/>
+      </p:nvGrpSpPr>
+      <p:grpSpPr>
+        <a:xfrm>
+          <a:off x="0" y="0"/>
+          <a:ext cx="0" cy="0"/>
+          <a:chOff x="0" y="0"/>
+          <a:chExt cx="0" cy="0"/>
+        </a:xfrm>
+      </p:grpSpPr>
+      <p:sp>
+        <p:nvSpPr>
+          <p:cNvPr id="2" name="Title 1"/>
+          <p:cNvSpPr>
+            <a:spLocks noGrp="1"/>
+          </p:cNvSpPr>
+          <p:nvPr>
+            <p:ph type="title"/>
+          </p:nvPr>
+        </p:nvSpPr>
+        <p:spPr/>
+        <p:txBody>
+          <a:bodyPr/>
+          <a:lstStyle/>
+          <a:p>
+            <a:pPr lvl="0" indent="0" marL="0">
+              <a:buNone/>
+            </a:pPr>
+            <a:r>
+              <a:rPr/>
+              <a:t>Judgments with/without competence</a:t>
+            </a:r>
+          </a:p>
+        </p:txBody>
+      </p:sp>
+      <p:sp>
+        <p:nvSpPr>
+          <p:cNvPr id="3" name="Content Placeholder 2"/>
+          <p:cNvSpPr>
+            <a:spLocks noGrp="1"/>
+          </p:cNvSpPr>
+          <p:nvPr>
+            <p:ph idx="1"/>
+          </p:nvPr>
+        </p:nvSpPr>
+        <p:spPr/>
+        <p:txBody>
+          <a:bodyPr/>
+          <a:lstStyle/>
+          <a:p>
+            <a:pPr lvl="0"/>
+            <a:r>
+              <a:rPr/>
+              <a:t>Any bias in the training data will be amplified in the output.</a:t>
+            </a:r>
+          </a:p>
+          <a:p>
+            <a:pPr lvl="0"/>
+            <a:r>
+              <a:rPr/>
+              <a:t>Impossible to check or safeguard</a:t>
+            </a:r>
+          </a:p>
+        </p:txBody>
+      </p:sp>
+    </p:spTree>
+  </p:cSld>
+</p:sld>
+</file>
+
+<file path=ppt/slides/slide44.xml><?xml version="1.0" encoding="utf-8"?>
 <p:sld xmlns:a="http://schemas.openxmlformats.org/drawingml/2006/main" xmlns:r="http://schemas.openxmlformats.org/officeDocument/2006/relationships" xmlns:p="http://schemas.openxmlformats.org/presentationml/2006/main">
   <p:cSld>
     <p:spTree>
@@ -9153,7 +9206,7 @@
 </p:sld>
 </file>
 
-<file path=ppt/slides/slide44.xml><?xml version="1.0" encoding="utf-8"?>
+<file path=ppt/slides/slide45.xml><?xml version="1.0" encoding="utf-8"?>
 <p:sld xmlns:a="http://schemas.openxmlformats.org/drawingml/2006/main" xmlns:r="http://schemas.openxmlformats.org/officeDocument/2006/relationships" xmlns:p="http://schemas.openxmlformats.org/presentationml/2006/main">
   <p:cSld>
     <p:spTree>
@@ -9265,7 +9318,7 @@
 </p:sld>
 </file>
 
-<file path=ppt/slides/slide45.xml><?xml version="1.0" encoding="utf-8"?>
+<file path=ppt/slides/slide46.xml><?xml version="1.0" encoding="utf-8"?>
 <p:sld xmlns:a="http://schemas.openxmlformats.org/drawingml/2006/main" xmlns:r="http://schemas.openxmlformats.org/officeDocument/2006/relationships" xmlns:p="http://schemas.openxmlformats.org/presentationml/2006/main">
   <p:cSld>
     <p:spTree>
@@ -9342,7 +9395,7 @@
 </p:sld>
 </file>
 
-<file path=ppt/slides/slide46.xml><?xml version="1.0" encoding="utf-8"?>
+<file path=ppt/slides/slide47.xml><?xml version="1.0" encoding="utf-8"?>
 <p:sld xmlns:a="http://schemas.openxmlformats.org/drawingml/2006/main" xmlns:r="http://schemas.openxmlformats.org/officeDocument/2006/relationships" xmlns:p="http://schemas.openxmlformats.org/presentationml/2006/main">
   <p:cSld>
     <p:spTree>
@@ -9521,7 +9574,7 @@
 </p:sld>
 </file>
 
-<file path=ppt/slides/slide47.xml><?xml version="1.0" encoding="utf-8"?>
+<file path=ppt/slides/slide48.xml><?xml version="1.0" encoding="utf-8"?>
 <p:sld xmlns:a="http://schemas.openxmlformats.org/drawingml/2006/main" xmlns:r="http://schemas.openxmlformats.org/officeDocument/2006/relationships" xmlns:p="http://schemas.openxmlformats.org/presentationml/2006/main">
   <p:cSld>
     <p:spTree>
@@ -9644,145 +9697,6 @@
 </p:sld>
 </file>
 
-<file path=ppt/slides/slide48.xml><?xml version="1.0" encoding="utf-8"?>
-<p:sld xmlns:a="http://schemas.openxmlformats.org/drawingml/2006/main" xmlns:r="http://schemas.openxmlformats.org/officeDocument/2006/relationships" xmlns:p="http://schemas.openxmlformats.org/presentationml/2006/main">
-  <p:cSld>
-    <p:spTree>
-      <p:nvGrpSpPr>
-        <p:cNvPr id="1" name=""/>
-        <p:cNvGrpSpPr/>
-        <p:nvPr/>
-      </p:nvGrpSpPr>
-      <p:grpSpPr>
-        <a:xfrm>
-          <a:off x="0" y="0"/>
-          <a:ext cx="0" cy="0"/>
-          <a:chOff x="0" y="0"/>
-          <a:chExt cx="0" cy="0"/>
-        </a:xfrm>
-      </p:grpSpPr>
-      <p:sp>
-        <p:nvSpPr>
-          <p:cNvPr id="2" name="Title 1"/>
-          <p:cNvSpPr>
-            <a:spLocks noGrp="1"/>
-          </p:cNvSpPr>
-          <p:nvPr>
-            <p:ph type="title"/>
-          </p:nvPr>
-        </p:nvSpPr>
-        <p:spPr/>
-        <p:txBody>
-          <a:bodyPr/>
-          <a:lstStyle/>
-          <a:p>
-            <a:pPr lvl="0" indent="0" marL="0">
-              <a:buNone/>
-            </a:pPr>
-            <a:r>
-              <a:rPr/>
-              <a:t>Gaining competence</a:t>
-            </a:r>
-          </a:p>
-        </p:txBody>
-      </p:sp>
-      <p:sp>
-        <p:nvSpPr>
-          <p:cNvPr id="3" name="Content Placeholder 2"/>
-          <p:cNvSpPr>
-            <a:spLocks noGrp="1"/>
-          </p:cNvSpPr>
-          <p:nvPr>
-            <p:ph idx="1"/>
-          </p:nvPr>
-        </p:nvSpPr>
-        <p:spPr/>
-        <p:txBody>
-          <a:bodyPr/>
-          <a:lstStyle/>
-          <a:p>
-            <a:pPr lvl="0" indent="0" marL="0">
-              <a:buNone/>
-            </a:pPr>
-            <a:r>
-              <a:rPr b="1"/>
-              <a:t>Learning happens through</a:t>
-            </a:r>
-            <a:r>
-              <a:rPr/>
-              <a:t>:</a:t>
-            </a:r>
-          </a:p>
-          <a:p>
-            <a:pPr lvl="0"/>
-            <a:r>
-              <a:rPr/>
-              <a:t>Effortful engagement with material</a:t>
-            </a:r>
-          </a:p>
-          <a:p>
-            <a:pPr lvl="0"/>
-            <a:r>
-              <a:rPr/>
-              <a:t>Productive struggling</a:t>
-            </a:r>
-          </a:p>
-          <a:p>
-            <a:pPr lvl="0"/>
-            <a:r>
-              <a:rPr/>
-              <a:t>Overcoming challenges</a:t>
-            </a:r>
-          </a:p>
-          <a:p>
-            <a:pPr lvl="0"/>
-            <a:r>
-              <a:rPr/>
-              <a:t>Repetition and practice - you need to </a:t>
-            </a:r>
-            <a:r>
-              <a:rPr b="1"/>
-              <a:t>do the thing to become good at the thing</a:t>
-            </a:r>
-            <a:r>
-              <a:rPr/>
-              <a:t>.</a:t>
-            </a:r>
-          </a:p>
-          <a:p>
-            <a:pPr lvl="0" indent="0" marL="0">
-              <a:buNone/>
-            </a:pPr>
-            <a:r>
-              <a:rPr b="1"/>
-              <a:t>Perception of learning vs actual learning</a:t>
-            </a:r>
-            <a:r>
-              <a:rPr/>
-              <a:t> don’t always correlate (Deslauriers et al. 2019)</a:t>
-            </a:r>
-          </a:p>
-          <a:p>
-            <a:pPr lvl="0" indent="0" marL="0">
-              <a:buNone/>
-            </a:pPr>
-            <a:r>
-              <a:rPr/>
-              <a:t>. . .</a:t>
-            </a:r>
-          </a:p>
-          <a:p>
-            <a:pPr lvl="0" indent="0" marL="0">
-              <a:buNone/>
-            </a:pPr>
-          </a:p>
-        </p:txBody>
-      </p:sp>
-    </p:spTree>
-  </p:cSld>
-</p:sld>
-</file>
-
 <file path=ppt/slides/slide49.xml><?xml version="1.0" encoding="utf-8"?>
 <p:sld xmlns:a="http://schemas.openxmlformats.org/drawingml/2006/main" xmlns:r="http://schemas.openxmlformats.org/officeDocument/2006/relationships" xmlns:p="http://schemas.openxmlformats.org/presentationml/2006/main">
   <p:cSld>
@@ -9802,6 +9716,31 @@
       </p:grpSpPr>
       <p:sp>
         <p:nvSpPr>
+          <p:cNvPr id="2" name="Title 1"/>
+          <p:cNvSpPr>
+            <a:spLocks noGrp="1"/>
+          </p:cNvSpPr>
+          <p:nvPr>
+            <p:ph type="title"/>
+          </p:nvPr>
+        </p:nvSpPr>
+        <p:spPr/>
+        <p:txBody>
+          <a:bodyPr/>
+          <a:lstStyle/>
+          <a:p>
+            <a:pPr lvl="0" indent="0" marL="0">
+              <a:buNone/>
+            </a:pPr>
+            <a:r>
+              <a:rPr/>
+              <a:t>Gaining competence</a:t>
+            </a:r>
+          </a:p>
+        </p:txBody>
+      </p:sp>
+      <p:sp>
+        <p:nvSpPr>
           <p:cNvPr id="3" name="Content Placeholder 2"/>
           <p:cNvSpPr>
             <a:spLocks noGrp="1"/>
@@ -9820,8 +9759,75 @@
             </a:pPr>
             <a:r>
               <a:rPr b="1"/>
-              <a:t>Learning stats is hard. Learning coding is hard.</a:t>
-            </a:r>
+              <a:t>Learning happens through</a:t>
+            </a:r>
+            <a:r>
+              <a:rPr/>
+              <a:t>:</a:t>
+            </a:r>
+          </a:p>
+          <a:p>
+            <a:pPr lvl="0"/>
+            <a:r>
+              <a:rPr/>
+              <a:t>Effortful engagement with material</a:t>
+            </a:r>
+          </a:p>
+          <a:p>
+            <a:pPr lvl="0"/>
+            <a:r>
+              <a:rPr/>
+              <a:t>Productive struggling</a:t>
+            </a:r>
+          </a:p>
+          <a:p>
+            <a:pPr lvl="0"/>
+            <a:r>
+              <a:rPr/>
+              <a:t>Overcoming challenges</a:t>
+            </a:r>
+          </a:p>
+          <a:p>
+            <a:pPr lvl="0"/>
+            <a:r>
+              <a:rPr/>
+              <a:t>Repetition and practice - you need to </a:t>
+            </a:r>
+            <a:r>
+              <a:rPr b="1"/>
+              <a:t>do the thing to become good at the thing</a:t>
+            </a:r>
+            <a:r>
+              <a:rPr/>
+              <a:t>.</a:t>
+            </a:r>
+          </a:p>
+          <a:p>
+            <a:pPr lvl="0" indent="0" marL="0">
+              <a:buNone/>
+            </a:pPr>
+            <a:r>
+              <a:rPr b="1"/>
+              <a:t>Perception of learning vs actual learning</a:t>
+            </a:r>
+            <a:r>
+              <a:rPr/>
+              <a:t> don’t always correlate (Deslauriers et al. 2019)</a:t>
+            </a:r>
+          </a:p>
+          <a:p>
+            <a:pPr lvl="0" indent="0" marL="0">
+              <a:buNone/>
+            </a:pPr>
+            <a:r>
+              <a:rPr/>
+              <a:t>. . .</a:t>
+            </a:r>
+          </a:p>
+          <a:p>
+            <a:pPr lvl="0" indent="0" marL="0">
+              <a:buNone/>
+            </a:pPr>
           </a:p>
         </p:txBody>
       </p:sp>
@@ -9953,8 +9959,8 @@
               <a:buNone/>
             </a:pPr>
             <a:r>
-              <a:rPr/>
-              <a:t>. . .</a:t>
+              <a:rPr b="1"/>
+              <a:t>Learning stats is hard. Learning coding is hard.</a:t>
             </a:r>
           </a:p>
         </p:txBody>
@@ -9997,14 +10003,11 @@
           <a:lstStyle/>
           <a:p>
             <a:pPr lvl="0" indent="0" marL="0">
-              <a:spcBef>
-                <a:spcPts val="3000"/>
-              </a:spcBef>
-              <a:buNone/>
-            </a:pPr>
-            <a:r>
-              <a:rPr b="1"/>
-              <a:t>Learning is hard.</a:t>
+              <a:buNone/>
+            </a:pPr>
+            <a:r>
+              <a:rPr/>
+              <a:t>. . .</a:t>
             </a:r>
           </a:p>
         </p:txBody>
@@ -10033,31 +10036,6 @@
       </p:grpSpPr>
       <p:sp>
         <p:nvSpPr>
-          <p:cNvPr id="2" name="Title 1"/>
-          <p:cNvSpPr>
-            <a:spLocks noGrp="1"/>
-          </p:cNvSpPr>
-          <p:nvPr>
-            <p:ph type="title"/>
-          </p:nvPr>
-        </p:nvSpPr>
-        <p:spPr/>
-        <p:txBody>
-          <a:bodyPr/>
-          <a:lstStyle/>
-          <a:p>
-            <a:pPr lvl="0" indent="0" marL="0">
-              <a:buNone/>
-            </a:pPr>
-            <a:r>
-              <a:rPr/>
-              <a:t>Preventing competence</a:t>
-            </a:r>
-          </a:p>
-        </p:txBody>
-      </p:sp>
-      <p:sp>
-        <p:nvSpPr>
           <p:cNvPr id="3" name="Content Placeholder 2"/>
           <p:cNvSpPr>
             <a:spLocks noGrp="1"/>
@@ -10071,51 +10049,15 @@
           <a:bodyPr/>
           <a:lstStyle/>
           <a:p>
-            <a:pPr lvl="0"/>
-            <a:r>
-              <a:rPr/>
-              <a:t>Generative AI is </a:t>
-            </a:r>
-            <a:r>
-              <a:rPr i="1"/>
-              <a:t>antithetical</a:t>
-            </a:r>
-            <a:r>
-              <a:rPr/>
-              <a:t> to learning - removes friction and active engagement.</a:t>
-            </a:r>
-          </a:p>
-          <a:p>
-            <a:pPr lvl="0"/>
-            <a:r>
-              <a:rPr/>
-              <a:t>Routine AI use (1) creates </a:t>
-            </a:r>
+            <a:pPr lvl="0" indent="0" marL="0">
+              <a:spcBef>
+                <a:spcPts val="3000"/>
+              </a:spcBef>
+              <a:buNone/>
+            </a:pPr>
             <a:r>
               <a:rPr b="1"/>
-              <a:t>cognitive debt</a:t>
-            </a:r>
-            <a:r>
-              <a:rPr/>
-              <a:t> by promoting cognitive offloading (Kosmyna et al. 2025) (2) negatively predicts critical thinking (Kulal 2025)</a:t>
-            </a:r>
-          </a:p>
-          <a:p>
-            <a:pPr lvl="0" indent="0" marL="1270000">
-              <a:buNone/>
-            </a:pPr>
-            <a:r>
-              <a:rPr sz="2000"/>
-              <a:t>LLM users also struggled to accurately quote their own work. While LLMs offer immediate convenience, our findings highlight potential cognitive costs. Over four months, LLM users consistently underperformed at neural, linguistic, and behavioral levels.</a:t>
-            </a:r>
-          </a:p>
-          <a:p>
-            <a:pPr lvl="0" indent="0" marL="1270000">
-              <a:buNone/>
-            </a:pPr>
-            <a:r>
-              <a:rPr sz="2000"/>
-              <a:t>Kosmyna et al. (2025)</a:t>
+              <a:t>Learning is hard.</a:t>
             </a:r>
           </a:p>
         </p:txBody>
@@ -10126,6 +10068,117 @@
 </file>
 
 <file path=ppt/slides/slide53.xml><?xml version="1.0" encoding="utf-8"?>
+<p:sld xmlns:a="http://schemas.openxmlformats.org/drawingml/2006/main" xmlns:r="http://schemas.openxmlformats.org/officeDocument/2006/relationships" xmlns:p="http://schemas.openxmlformats.org/presentationml/2006/main">
+  <p:cSld>
+    <p:spTree>
+      <p:nvGrpSpPr>
+        <p:cNvPr id="1" name=""/>
+        <p:cNvGrpSpPr/>
+        <p:nvPr/>
+      </p:nvGrpSpPr>
+      <p:grpSpPr>
+        <a:xfrm>
+          <a:off x="0" y="0"/>
+          <a:ext cx="0" cy="0"/>
+          <a:chOff x="0" y="0"/>
+          <a:chExt cx="0" cy="0"/>
+        </a:xfrm>
+      </p:grpSpPr>
+      <p:sp>
+        <p:nvSpPr>
+          <p:cNvPr id="2" name="Title 1"/>
+          <p:cNvSpPr>
+            <a:spLocks noGrp="1"/>
+          </p:cNvSpPr>
+          <p:nvPr>
+            <p:ph type="title"/>
+          </p:nvPr>
+        </p:nvSpPr>
+        <p:spPr/>
+        <p:txBody>
+          <a:bodyPr/>
+          <a:lstStyle/>
+          <a:p>
+            <a:pPr lvl="0" indent="0" marL="0">
+              <a:buNone/>
+            </a:pPr>
+            <a:r>
+              <a:rPr/>
+              <a:t>Preventing competence</a:t>
+            </a:r>
+          </a:p>
+        </p:txBody>
+      </p:sp>
+      <p:sp>
+        <p:nvSpPr>
+          <p:cNvPr id="3" name="Content Placeholder 2"/>
+          <p:cNvSpPr>
+            <a:spLocks noGrp="1"/>
+          </p:cNvSpPr>
+          <p:nvPr>
+            <p:ph idx="1"/>
+          </p:nvPr>
+        </p:nvSpPr>
+        <p:spPr/>
+        <p:txBody>
+          <a:bodyPr/>
+          <a:lstStyle/>
+          <a:p>
+            <a:pPr lvl="0"/>
+            <a:r>
+              <a:rPr/>
+              <a:t>Generative AI is </a:t>
+            </a:r>
+            <a:r>
+              <a:rPr i="1"/>
+              <a:t>antithetical</a:t>
+            </a:r>
+            <a:r>
+              <a:rPr/>
+              <a:t> to learning - removes friction and active engagement.</a:t>
+            </a:r>
+          </a:p>
+          <a:p>
+            <a:pPr lvl="0"/>
+            <a:r>
+              <a:rPr/>
+              <a:t>Routine AI use (1) creates </a:t>
+            </a:r>
+            <a:r>
+              <a:rPr b="1"/>
+              <a:t>cognitive debt</a:t>
+            </a:r>
+            <a:r>
+              <a:rPr/>
+              <a:t> by promoting cognitive offloading (Kosmyna et al. 2025) (2) negatively predicts critical thinking (Kulal 2025)</a:t>
+            </a:r>
+          </a:p>
+          <a:p>
+            <a:pPr lvl="0" indent="0" marL="1270000">
+              <a:buNone/>
+            </a:pPr>
+            <a:r>
+              <a:rPr sz="2000"/>
+              <a:t>LLM users also struggled to accurately quote their own work. While LLMs offer immediate convenience, our findings highlight potential cognitive costs. Over four months, LLM users consistently underperformed at neural, linguistic, and behavioral levels.</a:t>
+            </a:r>
+          </a:p>
+          <a:p>
+            <a:pPr lvl="0" indent="0" marL="1270000">
+              <a:buNone/>
+            </a:pPr>
+            <a:r>
+              <a:rPr sz="2000"/>
+              <a:t>Kosmyna et al. (2025)</a:t>
+            </a:r>
+          </a:p>
+        </p:txBody>
+      </p:sp>
+    </p:spTree>
+  </p:cSld>
+</p:sld>
+</file>
+
+<file path=ppt/slides/slide54.xml><?xml version="1.0" encoding="utf-8"?>
 <p:sld xmlns:a="http://schemas.openxmlformats.org/drawingml/2006/main" xmlns:r="http://schemas.openxmlformats.org/officeDocument/2006/relationships" xmlns:p="http://schemas.openxmlformats.org/presentationml/2006/main">
   <p:cSld>
     <p:spTree>
@@ -10232,135 +10285,6 @@
 </p:sld>
 </file>
 
-<file path=ppt/slides/slide54.xml><?xml version="1.0" encoding="utf-8"?>
-<p:sld xmlns:a="http://schemas.openxmlformats.org/drawingml/2006/main" xmlns:r="http://schemas.openxmlformats.org/officeDocument/2006/relationships" xmlns:p="http://schemas.openxmlformats.org/presentationml/2006/main">
-  <p:cSld>
-    <p:spTree>
-      <p:nvGrpSpPr>
-        <p:cNvPr id="1" name=""/>
-        <p:cNvGrpSpPr/>
-        <p:nvPr/>
-      </p:nvGrpSpPr>
-      <p:grpSpPr>
-        <a:xfrm>
-          <a:off x="0" y="0"/>
-          <a:ext cx="0" cy="0"/>
-          <a:chOff x="0" y="0"/>
-          <a:chExt cx="0" cy="0"/>
-        </a:xfrm>
-      </p:grpSpPr>
-      <p:sp>
-        <p:nvSpPr>
-          <p:cNvPr id="2" name="Title 1"/>
-          <p:cNvSpPr>
-            <a:spLocks noGrp="1"/>
-          </p:cNvSpPr>
-          <p:nvPr>
-            <p:ph type="title"/>
-          </p:nvPr>
-        </p:nvSpPr>
-        <p:spPr/>
-        <p:txBody>
-          <a:bodyPr/>
-          <a:lstStyle/>
-          <a:p>
-            <a:pPr lvl="0" indent="0" marL="0">
-              <a:buNone/>
-            </a:pPr>
-            <a:r>
-              <a:rPr/>
-              <a:t>Preventing competence</a:t>
-            </a:r>
-          </a:p>
-        </p:txBody>
-      </p:sp>
-      <p:sp>
-        <p:nvSpPr>
-          <p:cNvPr id="3" name="Content Placeholder 2"/>
-          <p:cNvSpPr>
-            <a:spLocks noGrp="1"/>
-          </p:cNvSpPr>
-          <p:nvPr>
-            <p:ph idx="1"/>
-          </p:nvPr>
-        </p:nvSpPr>
-        <p:spPr/>
-        <p:txBody>
-          <a:bodyPr/>
-          <a:lstStyle/>
-          <a:p>
-            <a:pPr lvl="0"/>
-            <a:r>
-              <a:rPr/>
-              <a:t>Deskilling (Guest et al. 2025) and degradation of </a:t>
-            </a:r>
-            <a:r>
-              <a:rPr i="1"/>
-              <a:t>actual</a:t>
-            </a:r>
-            <a:r>
-              <a:rPr/>
-              <a:t> employability skills with Gen AI use, like:</a:t>
-            </a:r>
-          </a:p>
-          <a:p>
-            <a:pPr lvl="1"/>
-            <a:r>
-              <a:rPr/>
-              <a:t>Problem solving</a:t>
-            </a:r>
-          </a:p>
-          <a:p>
-            <a:pPr lvl="1"/>
-            <a:r>
-              <a:rPr/>
-              <a:t>Critical thinking</a:t>
-            </a:r>
-          </a:p>
-          <a:p>
-            <a:pPr lvl="1"/>
-            <a:r>
-              <a:rPr/>
-              <a:t>Constructing arguments</a:t>
-            </a:r>
-          </a:p>
-          <a:p>
-            <a:pPr lvl="1"/>
-            <a:r>
-              <a:rPr/>
-              <a:t>Reading</a:t>
-            </a:r>
-          </a:p>
-          <a:p>
-            <a:pPr lvl="1"/>
-            <a:r>
-              <a:rPr/>
-              <a:t>Communication</a:t>
-            </a:r>
-          </a:p>
-          <a:p>
-            <a:pPr lvl="1"/>
-            <a:r>
-              <a:rPr/>
-              <a:t>Creativity</a:t>
-            </a:r>
-          </a:p>
-          <a:p>
-            <a:pPr lvl="0" indent="0" marL="0">
-              <a:buNone/>
-            </a:pPr>
-            <a:r>
-              <a:rPr/>
-              <a:t>. . .</a:t>
-            </a:r>
-          </a:p>
-        </p:txBody>
-      </p:sp>
-    </p:spTree>
-  </p:cSld>
-</p:sld>
-</file>
-
 <file path=ppt/slides/slide55.xml><?xml version="1.0" encoding="utf-8"?>
 <p:sld xmlns:a="http://schemas.openxmlformats.org/drawingml/2006/main" xmlns:r="http://schemas.openxmlformats.org/officeDocument/2006/relationships" xmlns:p="http://schemas.openxmlformats.org/presentationml/2006/main">
   <p:cSld>
@@ -10380,6 +10304,31 @@
       </p:grpSpPr>
       <p:sp>
         <p:nvSpPr>
+          <p:cNvPr id="2" name="Title 1"/>
+          <p:cNvSpPr>
+            <a:spLocks noGrp="1"/>
+          </p:cNvSpPr>
+          <p:nvPr>
+            <p:ph type="title"/>
+          </p:nvPr>
+        </p:nvSpPr>
+        <p:spPr/>
+        <p:txBody>
+          <a:bodyPr/>
+          <a:lstStyle/>
+          <a:p>
+            <a:pPr lvl="0" indent="0" marL="0">
+              <a:buNone/>
+            </a:pPr>
+            <a:r>
+              <a:rPr/>
+              <a:t>Preventing competence</a:t>
+            </a:r>
+          </a:p>
+        </p:txBody>
+      </p:sp>
+      <p:sp>
+        <p:nvSpPr>
           <p:cNvPr id="3" name="Content Placeholder 2"/>
           <p:cNvSpPr>
             <a:spLocks noGrp="1"/>
@@ -10393,15 +10342,69 @@
           <a:bodyPr/>
           <a:lstStyle/>
           <a:p>
-            <a:pPr lvl="0" indent="0" marL="0">
-              <a:spcBef>
-                <a:spcPts val="3000"/>
-              </a:spcBef>
-              <a:buNone/>
-            </a:pPr>
-            <a:r>
-              <a:rPr b="1"/>
-              <a:t>“Prompt engineering” is not a skill.</a:t>
+            <a:pPr lvl="0"/>
+            <a:r>
+              <a:rPr/>
+              <a:t>Deskilling (Guest et al. 2025) and degradation of </a:t>
+            </a:r>
+            <a:r>
+              <a:rPr i="1"/>
+              <a:t>actual</a:t>
+            </a:r>
+            <a:r>
+              <a:rPr/>
+              <a:t> employability skills with Gen AI use, like:</a:t>
+            </a:r>
+          </a:p>
+          <a:p>
+            <a:pPr lvl="1"/>
+            <a:r>
+              <a:rPr/>
+              <a:t>Problem solving</a:t>
+            </a:r>
+          </a:p>
+          <a:p>
+            <a:pPr lvl="1"/>
+            <a:r>
+              <a:rPr/>
+              <a:t>Critical thinking</a:t>
+            </a:r>
+          </a:p>
+          <a:p>
+            <a:pPr lvl="1"/>
+            <a:r>
+              <a:rPr/>
+              <a:t>Constructing arguments</a:t>
+            </a:r>
+          </a:p>
+          <a:p>
+            <a:pPr lvl="1"/>
+            <a:r>
+              <a:rPr/>
+              <a:t>Reading</a:t>
+            </a:r>
+          </a:p>
+          <a:p>
+            <a:pPr lvl="1"/>
+            <a:r>
+              <a:rPr/>
+              <a:t>Communication</a:t>
+            </a:r>
+          </a:p>
+          <a:p>
+            <a:pPr lvl="1"/>
+            <a:r>
+              <a:rPr/>
+              <a:t>Creativity</a:t>
+            </a:r>
+          </a:p>
+          <a:p>
+            <a:pPr lvl="0" indent="0" marL="0">
+              <a:buNone/>
+            </a:pPr>
+            <a:r>
+              <a:rPr/>
+              <a:t>. . .</a:t>
             </a:r>
           </a:p>
         </p:txBody>
@@ -10430,160 +10433,28 @@
       </p:grpSpPr>
       <p:sp>
         <p:nvSpPr>
-          <p:cNvPr id="2" name="Title 1"/>
-          <p:cNvSpPr>
-            <a:spLocks noGrp="1"/>
-          </p:cNvSpPr>
-          <p:nvPr>
-            <p:ph type="title"/>
-          </p:nvPr>
-        </p:nvSpPr>
-        <p:spPr/>
-        <p:txBody>
-          <a:bodyPr/>
-          <a:lstStyle/>
-          <a:p>
-            <a:pPr lvl="0" indent="0" marL="0">
-              <a:buNone/>
-            </a:pPr>
-            <a:r>
-              <a:rPr/>
-              <a:t>Which CV will get you hired?</a:t>
-            </a:r>
-          </a:p>
-        </p:txBody>
-      </p:sp>
-      <p:sp>
-        <p:nvSpPr>
           <p:cNvPr id="3" name="Content Placeholder 2"/>
           <p:cNvSpPr>
             <a:spLocks noGrp="1"/>
           </p:cNvSpPr>
           <p:nvPr>
-            <p:ph idx="1" sz="half"/>
-          </p:nvPr>
-        </p:nvSpPr>
-        <p:spPr/>
-        <p:txBody>
-          <a:bodyPr/>
-          <a:lstStyle/>
-          <a:p>
-            <a:pPr lvl="0" indent="0" marL="0">
+            <p:ph idx="1"/>
+          </p:nvPr>
+        </p:nvSpPr>
+        <p:spPr/>
+        <p:txBody>
+          <a:bodyPr/>
+          <a:lstStyle/>
+          <a:p>
+            <a:pPr lvl="0" indent="0" marL="0">
+              <a:spcBef>
+                <a:spcPts val="3000"/>
+              </a:spcBef>
               <a:buNone/>
             </a:pPr>
             <a:r>
               <a:rPr b="1"/>
-              <a:t>Education:</a:t>
-            </a:r>
-          </a:p>
-          <a:p>
-            <a:pPr lvl="0"/>
-            <a:r>
-              <a:rPr/>
-              <a:t>BSc Psychology | University of Sussex |2028</a:t>
-            </a:r>
-          </a:p>
-          <a:p>
-            <a:pPr lvl="0" indent="0" marL="0">
-              <a:buNone/>
-            </a:pPr>
-            <a:r>
-              <a:rPr b="1"/>
-              <a:t>Skills:</a:t>
-            </a:r>
-          </a:p>
-          <a:p>
-            <a:pPr lvl="0"/>
-            <a:r>
-              <a:rPr/>
-              <a:t>Prompt engineering 🔄 </a:t>
-            </a:r>
-            <a:r>
-              <a:rPr i="1"/>
-              <a:t>regenerate response</a:t>
-            </a:r>
-          </a:p>
-        </p:txBody>
-      </p:sp>
-      <p:sp>
-        <p:nvSpPr>
-          <p:cNvPr id="4" name="Content Placeholder 3"/>
-          <p:cNvSpPr>
-            <a:spLocks noGrp="1"/>
-          </p:cNvSpPr>
-          <p:nvPr>
-            <p:ph idx="2" sz="half"/>
-          </p:nvPr>
-        </p:nvSpPr>
-        <p:spPr/>
-        <p:txBody>
-          <a:bodyPr/>
-          <a:lstStyle/>
-          <a:p>
-            <a:pPr lvl="0" indent="0" marL="0">
-              <a:buNone/>
-            </a:pPr>
-            <a:r>
-              <a:rPr b="1"/>
-              <a:t>Education:</a:t>
-            </a:r>
-          </a:p>
-          <a:p>
-            <a:pPr lvl="0"/>
-            <a:r>
-              <a:rPr/>
-              <a:t>BSc Psychology | University of Sussex | 2028</a:t>
-            </a:r>
-          </a:p>
-          <a:p>
-            <a:pPr lvl="0" indent="0" marL="0">
-              <a:buNone/>
-            </a:pPr>
-            <a:r>
-              <a:rPr b="1"/>
-              <a:t>Skills:</a:t>
-            </a:r>
-          </a:p>
-          <a:p>
-            <a:pPr lvl="0"/>
-            <a:r>
-              <a:rPr/>
-              <a:t>Statistical analysis (incl. the General Linear Model and its extensions like moderation, mediation, and factorial designs; addressing bias in models; robust estimation and hypothesis testing)</a:t>
-            </a:r>
-          </a:p>
-          <a:p>
-            <a:pPr lvl="0"/>
-            <a:r>
-              <a:rPr/>
-              <a:t>R Programming</a:t>
-            </a:r>
-          </a:p>
-          <a:p>
-            <a:pPr lvl="0"/>
-            <a:r>
-              <a:rPr/>
-              <a:t>Data visualisation</a:t>
-            </a:r>
-          </a:p>
-          <a:p>
-            <a:pPr lvl="0"/>
-            <a:r>
-              <a:rPr/>
-              <a:t>Critical evaluation</a:t>
-            </a:r>
-          </a:p>
-          <a:p>
-            <a:pPr lvl="0"/>
-            <a:r>
-              <a:rPr/>
-              <a:t>Scientific communication</a:t>
-            </a:r>
-          </a:p>
-          <a:p>
-            <a:pPr lvl="0"/>
-            <a:r>
-              <a:rPr/>
-              <a:t>Reproducible reports in Quarto</a:t>
+              <a:t>“Prompt engineering” is not a skill.</a:t>
             </a:r>
           </a:p>
         </p:txBody>
@@ -10630,7 +10501,7 @@
             </a:pPr>
             <a:r>
               <a:rPr/>
-              <a:t>Generative AI…</a:t>
+              <a:t>Which CV will get you hired?</a:t>
             </a:r>
           </a:p>
         </p:txBody>
@@ -10642,45 +10513,131 @@
             <a:spLocks noGrp="1"/>
           </p:cNvSpPr>
           <p:nvPr>
-            <p:ph idx="1"/>
-          </p:nvPr>
-        </p:nvSpPr>
-        <p:spPr/>
-        <p:txBody>
-          <a:bodyPr/>
-          <a:lstStyle/>
-          <a:p>
-            <a:pPr lvl="0"/>
-            <a:r>
-              <a:rPr/>
-              <a:t>causes great environmental and societal harms</a:t>
-            </a:r>
-          </a:p>
-          <a:p>
-            <a:pPr lvl="0"/>
-            <a:r>
-              <a:rPr/>
-              <a:t>requires meticulous fact-checking or high levels of competence in order to use “responsibly” (defeating the point of using it in the first place)</a:t>
-            </a:r>
-          </a:p>
-          <a:p>
-            <a:pPr lvl="0"/>
-            <a:r>
-              <a:rPr/>
-              <a:t>is pushed as “The Skill” necessary to enter the workforce yet offers zero practical benefits</a:t>
-            </a:r>
-          </a:p>
-          <a:p>
-            <a:pPr lvl="0"/>
-            <a:r>
-              <a:rPr/>
-              <a:t>undermines learning, skills and productivity…</a:t>
-            </a:r>
-          </a:p>
-          <a:p>
-            <a:pPr lvl="0" indent="0" marL="0">
-              <a:buNone/>
-            </a:pPr>
+            <p:ph idx="1" sz="half"/>
+          </p:nvPr>
+        </p:nvSpPr>
+        <p:spPr/>
+        <p:txBody>
+          <a:bodyPr/>
+          <a:lstStyle/>
+          <a:p>
+            <a:pPr lvl="0" indent="0" marL="0">
+              <a:buNone/>
+            </a:pPr>
+            <a:r>
+              <a:rPr b="1"/>
+              <a:t>Education:</a:t>
+            </a:r>
+          </a:p>
+          <a:p>
+            <a:pPr lvl="0"/>
+            <a:r>
+              <a:rPr/>
+              <a:t>BSc Psychology | University of Sussex |2028</a:t>
+            </a:r>
+          </a:p>
+          <a:p>
+            <a:pPr lvl="0" indent="0" marL="0">
+              <a:buNone/>
+            </a:pPr>
+            <a:r>
+              <a:rPr b="1"/>
+              <a:t>Skills:</a:t>
+            </a:r>
+          </a:p>
+          <a:p>
+            <a:pPr lvl="0"/>
+            <a:r>
+              <a:rPr/>
+              <a:t>Prompt engineering 🔄 </a:t>
+            </a:r>
+            <a:r>
+              <a:rPr i="1"/>
+              <a:t>regenerate response</a:t>
+            </a:r>
+          </a:p>
+        </p:txBody>
+      </p:sp>
+      <p:sp>
+        <p:nvSpPr>
+          <p:cNvPr id="4" name="Content Placeholder 3"/>
+          <p:cNvSpPr>
+            <a:spLocks noGrp="1"/>
+          </p:cNvSpPr>
+          <p:nvPr>
+            <p:ph idx="2" sz="half"/>
+          </p:nvPr>
+        </p:nvSpPr>
+        <p:spPr/>
+        <p:txBody>
+          <a:bodyPr/>
+          <a:lstStyle/>
+          <a:p>
+            <a:pPr lvl="0" indent="0" marL="0">
+              <a:buNone/>
+            </a:pPr>
+            <a:r>
+              <a:rPr b="1"/>
+              <a:t>Education:</a:t>
+            </a:r>
+          </a:p>
+          <a:p>
+            <a:pPr lvl="0"/>
+            <a:r>
+              <a:rPr/>
+              <a:t>BSc Psychology | University of Sussex | 2028</a:t>
+            </a:r>
+          </a:p>
+          <a:p>
+            <a:pPr lvl="0" indent="0" marL="0">
+              <a:buNone/>
+            </a:pPr>
+            <a:r>
+              <a:rPr b="1"/>
+              <a:t>Skills:</a:t>
+            </a:r>
+          </a:p>
+          <a:p>
+            <a:pPr lvl="0"/>
+            <a:r>
+              <a:rPr/>
+              <a:t>Statistical analysis (incl. the General Linear Model and its extensions like moderation, mediation, and factorial designs; addressing bias in models; robust estimation and hypothesis testing)</a:t>
+            </a:r>
+          </a:p>
+          <a:p>
+            <a:pPr lvl="0"/>
+            <a:r>
+              <a:rPr/>
+              <a:t>R Programming</a:t>
+            </a:r>
+          </a:p>
+          <a:p>
+            <a:pPr lvl="0"/>
+            <a:r>
+              <a:rPr/>
+              <a:t>Data visualisation</a:t>
+            </a:r>
+          </a:p>
+          <a:p>
+            <a:pPr lvl="0"/>
+            <a:r>
+              <a:rPr/>
+              <a:t>Critical evaluation</a:t>
+            </a:r>
+          </a:p>
+          <a:p>
+            <a:pPr lvl="0"/>
+            <a:r>
+              <a:rPr/>
+              <a:t>Scientific communication</a:t>
+            </a:r>
+          </a:p>
+          <a:p>
+            <a:pPr lvl="0"/>
+            <a:r>
+              <a:rPr/>
+              <a:t>Reproducible reports in Quarto</a:t>
+            </a:r>
           </a:p>
         </p:txBody>
       </p:sp>
@@ -10708,6 +10665,31 @@
       </p:grpSpPr>
       <p:sp>
         <p:nvSpPr>
+          <p:cNvPr id="2" name="Title 1"/>
+          <p:cNvSpPr>
+            <a:spLocks noGrp="1"/>
+          </p:cNvSpPr>
+          <p:nvPr>
+            <p:ph type="title"/>
+          </p:nvPr>
+        </p:nvSpPr>
+        <p:spPr/>
+        <p:txBody>
+          <a:bodyPr/>
+          <a:lstStyle/>
+          <a:p>
+            <a:pPr lvl="0" indent="0" marL="0">
+              <a:buNone/>
+            </a:pPr>
+            <a:r>
+              <a:rPr/>
+              <a:t>Generative AI…</a:t>
+            </a:r>
+          </a:p>
+        </p:txBody>
+      </p:sp>
+      <p:sp>
+        <p:nvSpPr>
           <p:cNvPr id="3" name="Content Placeholder 2"/>
           <p:cNvSpPr>
             <a:spLocks noGrp="1"/>
@@ -10721,16 +10703,37 @@
           <a:bodyPr/>
           <a:lstStyle/>
           <a:p>
-            <a:pPr lvl="0" indent="0" marL="0">
-              <a:spcBef>
-                <a:spcPts val="3000"/>
-              </a:spcBef>
-              <a:buNone/>
-            </a:pPr>
-            <a:r>
-              <a:rPr b="1"/>
-              <a:t>… and therefore cannot be used responsibly</a:t>
-            </a:r>
+            <a:pPr lvl="0"/>
+            <a:r>
+              <a:rPr/>
+              <a:t>causes great environmental and societal harms</a:t>
+            </a:r>
+          </a:p>
+          <a:p>
+            <a:pPr lvl="0"/>
+            <a:r>
+              <a:rPr/>
+              <a:t>requires meticulous fact-checking or high levels of competence in order to use “responsibly” (defeating the point of using it in the first place)</a:t>
+            </a:r>
+          </a:p>
+          <a:p>
+            <a:pPr lvl="0"/>
+            <a:r>
+              <a:rPr/>
+              <a:t>is pushed as “The Skill” necessary to enter the workforce yet offers zero practical benefits</a:t>
+            </a:r>
+          </a:p>
+          <a:p>
+            <a:pPr lvl="0"/>
+            <a:r>
+              <a:rPr/>
+              <a:t>undermines learning, skills and productivity…</a:t>
+            </a:r>
+          </a:p>
+          <a:p>
+            <a:pPr lvl="0" indent="0" marL="0">
+              <a:buNone/>
+            </a:pPr>
           </a:p>
         </p:txBody>
       </p:sp>
@@ -10758,31 +10761,6 @@
       </p:grpSpPr>
       <p:sp>
         <p:nvSpPr>
-          <p:cNvPr id="2" name="Title 1"/>
-          <p:cNvSpPr>
-            <a:spLocks noGrp="1"/>
-          </p:cNvSpPr>
-          <p:nvPr>
-            <p:ph type="title"/>
-          </p:nvPr>
-        </p:nvSpPr>
-        <p:spPr/>
-        <p:txBody>
-          <a:bodyPr/>
-          <a:lstStyle/>
-          <a:p>
-            <a:pPr lvl="0" indent="0" marL="0">
-              <a:buNone/>
-            </a:pPr>
-            <a:r>
-              <a:rPr/>
-              <a:t>AI Use Policy</a:t>
-            </a:r>
-          </a:p>
-        </p:txBody>
-      </p:sp>
-      <p:sp>
-        <p:nvSpPr>
           <p:cNvPr id="3" name="Content Placeholder 2"/>
           <p:cNvSpPr>
             <a:spLocks noGrp="1"/>
@@ -10797,34 +10775,14 @@
           <a:lstStyle/>
           <a:p>
             <a:pPr lvl="0" indent="0" marL="0">
-              <a:buNone/>
-            </a:pPr>
-          </a:p>
-          <a:p>
-            <a:pPr lvl="0" indent="0" marL="0">
-              <a:buNone/>
-            </a:pPr>
-            <a:r>
-              <a:rPr/>
-              <a:t>There is NO acceptable use of AI on this module.</a:t>
-            </a:r>
-          </a:p>
-          <a:p>
-            <a:pPr lvl="0" indent="0" marL="0">
-              <a:buNone/>
-            </a:pPr>
-            <a:r>
-              <a:rPr/>
-              <a:t>. . .</a:t>
-            </a:r>
-          </a:p>
-          <a:p>
-            <a:pPr lvl="0" indent="0" marL="0">
-              <a:buNone/>
-            </a:pPr>
-            <a:r>
-              <a:rPr/>
-              <a:t>Any suspected use of AI on any assessment will be treated as academic misconduct.</a:t>
+              <a:spcBef>
+                <a:spcPts val="3000"/>
+              </a:spcBef>
+              <a:buNone/>
+            </a:pPr>
+            <a:r>
+              <a:rPr b="1"/>
+              <a:t>… and therefore cannot be used responsibly</a:t>
             </a:r>
           </a:p>
         </p:txBody>
@@ -10996,6 +10954,101 @@
 </file>
 
 <file path=ppt/slides/slide60.xml><?xml version="1.0" encoding="utf-8"?>
+<p:sld xmlns:a="http://schemas.openxmlformats.org/drawingml/2006/main" xmlns:r="http://schemas.openxmlformats.org/officeDocument/2006/relationships" xmlns:p="http://schemas.openxmlformats.org/presentationml/2006/main">
+  <p:cSld>
+    <p:spTree>
+      <p:nvGrpSpPr>
+        <p:cNvPr id="1" name=""/>
+        <p:cNvGrpSpPr/>
+        <p:nvPr/>
+      </p:nvGrpSpPr>
+      <p:grpSpPr>
+        <a:xfrm>
+          <a:off x="0" y="0"/>
+          <a:ext cx="0" cy="0"/>
+          <a:chOff x="0" y="0"/>
+          <a:chExt cx="0" cy="0"/>
+        </a:xfrm>
+      </p:grpSpPr>
+      <p:sp>
+        <p:nvSpPr>
+          <p:cNvPr id="2" name="Title 1"/>
+          <p:cNvSpPr>
+            <a:spLocks noGrp="1"/>
+          </p:cNvSpPr>
+          <p:nvPr>
+            <p:ph type="title"/>
+          </p:nvPr>
+        </p:nvSpPr>
+        <p:spPr/>
+        <p:txBody>
+          <a:bodyPr/>
+          <a:lstStyle/>
+          <a:p>
+            <a:pPr lvl="0" indent="0" marL="0">
+              <a:buNone/>
+            </a:pPr>
+            <a:r>
+              <a:rPr/>
+              <a:t>AI Use Policy</a:t>
+            </a:r>
+          </a:p>
+        </p:txBody>
+      </p:sp>
+      <p:sp>
+        <p:nvSpPr>
+          <p:cNvPr id="3" name="Content Placeholder 2"/>
+          <p:cNvSpPr>
+            <a:spLocks noGrp="1"/>
+          </p:cNvSpPr>
+          <p:nvPr>
+            <p:ph idx="1"/>
+          </p:nvPr>
+        </p:nvSpPr>
+        <p:spPr/>
+        <p:txBody>
+          <a:bodyPr/>
+          <a:lstStyle/>
+          <a:p>
+            <a:pPr lvl="0" indent="0" marL="0">
+              <a:buNone/>
+            </a:pPr>
+          </a:p>
+          <a:p>
+            <a:pPr lvl="0" indent="0" marL="0">
+              <a:buNone/>
+            </a:pPr>
+            <a:r>
+              <a:rPr/>
+              <a:t>There is NO acceptable use of AI on this module.</a:t>
+            </a:r>
+          </a:p>
+          <a:p>
+            <a:pPr lvl="0" indent="0" marL="0">
+              <a:buNone/>
+            </a:pPr>
+            <a:r>
+              <a:rPr/>
+              <a:t>. . .</a:t>
+            </a:r>
+          </a:p>
+          <a:p>
+            <a:pPr lvl="0" indent="0" marL="0">
+              <a:buNone/>
+            </a:pPr>
+            <a:r>
+              <a:rPr/>
+              <a:t>Any suspected use of AI on any assessment will be treated as academic misconduct.</a:t>
+            </a:r>
+          </a:p>
+        </p:txBody>
+      </p:sp>
+    </p:spTree>
+  </p:cSld>
+</p:sld>
+</file>
+
+<file path=ppt/slides/slide61.xml><?xml version="1.0" encoding="utf-8"?>
 <p:sld xmlns:a="http://schemas.openxmlformats.org/drawingml/2006/main" xmlns:r="http://schemas.openxmlformats.org/officeDocument/2006/relationships" xmlns:p="http://schemas.openxmlformats.org/presentationml/2006/main">
   <p:cSld>
     <p:spTree>
@@ -11452,7 +11505,7 @@
 </p:sld>
 </file>
 
-<file path=ppt/slides/slide61.xml><?xml version="1.0" encoding="utf-8"?>
+<file path=ppt/slides/slide62.xml><?xml version="1.0" encoding="utf-8"?>
 <p:sld xmlns:a="http://schemas.openxmlformats.org/drawingml/2006/main" xmlns:r="http://schemas.openxmlformats.org/officeDocument/2006/relationships" xmlns:p="http://schemas.openxmlformats.org/presentationml/2006/main">
   <p:cSld>
     <p:spTree>
@@ -11532,7 +11585,7 @@
 </p:sld>
 </file>
 
-<file path=ppt/slides/slide62.xml><?xml version="1.0" encoding="utf-8"?>
+<file path=ppt/slides/slide63.xml><?xml version="1.0" encoding="utf-8"?>
 <p:sld xmlns:a="http://schemas.openxmlformats.org/drawingml/2006/main" xmlns:r="http://schemas.openxmlformats.org/officeDocument/2006/relationships" xmlns:p="http://schemas.openxmlformats.org/presentationml/2006/main">
   <p:cSld>
     <p:spTree>
